--- a/Chapter 13.pptx
+++ b/Chapter 13.pptx
@@ -7,6 +7,9 @@
   <p:sldIdLst>
     <p:sldId id="256" r:id="rId2"/>
     <p:sldId id="257" r:id="rId3"/>
+    <p:sldId id="259" r:id="rId4"/>
+    <p:sldId id="260" r:id="rId5"/>
+    <p:sldId id="258" r:id="rId6"/>
   </p:sldIdLst>
   <p:sldSz cx="12192000" cy="6858000"/>
   <p:notesSz cx="6858000" cy="9144000"/>
@@ -105,6 +108,11 @@
       </a:defRPr>
     </a:lvl9pPr>
   </p:defaultTextStyle>
+  <p:extLst>
+    <p:ext uri="{EFAFB233-063F-42B5-8137-9DF3F51BA10A}">
+      <p15:sldGuideLst xmlns:p15="http://schemas.microsoft.com/office/powerpoint/2012/main"/>
+    </p:ext>
+  </p:extLst>
 </p:presentation>
 </file>
 
@@ -611,7 +619,7 @@
             <a:fld id="{B61BEF0D-F0BB-DE4B-95CE-6DB70DBA9567}" type="datetimeFigureOut">
               <a:rPr lang="en-US" dirty="0"/>
               <a:pPr/>
-              <a:t>6/4/2017</a:t>
+              <a:t>6/5/2017</a:t>
             </a:fld>
             <a:endParaRPr lang="en-US" dirty="0"/>
           </a:p>
@@ -904,7 +912,7 @@
             <a:fld id="{B61BEF0D-F0BB-DE4B-95CE-6DB70DBA9567}" type="datetimeFigureOut">
               <a:rPr lang="en-US" dirty="0"/>
               <a:pPr/>
-              <a:t>6/4/2017</a:t>
+              <a:t>6/5/2017</a:t>
             </a:fld>
             <a:endParaRPr lang="en-US" dirty="0"/>
           </a:p>
@@ -1149,7 +1157,7 @@
             <a:fld id="{B61BEF0D-F0BB-DE4B-95CE-6DB70DBA9567}" type="datetimeFigureOut">
               <a:rPr lang="en-US" dirty="0"/>
               <a:pPr/>
-              <a:t>6/4/2017</a:t>
+              <a:t>6/5/2017</a:t>
             </a:fld>
             <a:endParaRPr lang="en-US" dirty="0"/>
           </a:p>
@@ -1686,7 +1694,7 @@
             <a:fld id="{B61BEF0D-F0BB-DE4B-95CE-6DB70DBA9567}" type="datetimeFigureOut">
               <a:rPr lang="en-US" dirty="0"/>
               <a:pPr/>
-              <a:t>6/4/2017</a:t>
+              <a:t>6/5/2017</a:t>
             </a:fld>
             <a:endParaRPr lang="en-US" dirty="0"/>
           </a:p>
@@ -1931,7 +1939,7 @@
             <a:fld id="{B61BEF0D-F0BB-DE4B-95CE-6DB70DBA9567}" type="datetimeFigureOut">
               <a:rPr lang="en-US" dirty="0"/>
               <a:pPr/>
-              <a:t>6/4/2017</a:t>
+              <a:t>6/5/2017</a:t>
             </a:fld>
             <a:endParaRPr lang="en-US" dirty="0"/>
           </a:p>
@@ -2460,7 +2468,7 @@
             <a:fld id="{B61BEF0D-F0BB-DE4B-95CE-6DB70DBA9567}" type="datetimeFigureOut">
               <a:rPr lang="en-US" dirty="0"/>
               <a:pPr/>
-              <a:t>6/4/2017</a:t>
+              <a:t>6/5/2017</a:t>
             </a:fld>
             <a:endParaRPr lang="en-US" dirty="0"/>
           </a:p>
@@ -2754,7 +2762,7 @@
             <a:fld id="{B61BEF0D-F0BB-DE4B-95CE-6DB70DBA9567}" type="datetimeFigureOut">
               <a:rPr lang="en-US" dirty="0"/>
               <a:pPr/>
-              <a:t>6/4/2017</a:t>
+              <a:t>6/5/2017</a:t>
             </a:fld>
             <a:endParaRPr lang="en-US" dirty="0"/>
           </a:p>
@@ -2925,7 +2933,7 @@
             <a:fld id="{B61BEF0D-F0BB-DE4B-95CE-6DB70DBA9567}" type="datetimeFigureOut">
               <a:rPr lang="en-US" dirty="0"/>
               <a:pPr/>
-              <a:t>6/4/2017</a:t>
+              <a:t>6/5/2017</a:t>
             </a:fld>
             <a:endParaRPr lang="en-US" dirty="0"/>
           </a:p>
@@ -3102,7 +3110,7 @@
             <a:fld id="{B61BEF0D-F0BB-DE4B-95CE-6DB70DBA9567}" type="datetimeFigureOut">
               <a:rPr lang="en-US" dirty="0"/>
               <a:pPr/>
-              <a:t>6/4/2017</a:t>
+              <a:t>6/5/2017</a:t>
             </a:fld>
             <a:endParaRPr lang="en-US" dirty="0"/>
           </a:p>
@@ -3269,7 +3277,7 @@
             <a:fld id="{B61BEF0D-F0BB-DE4B-95CE-6DB70DBA9567}" type="datetimeFigureOut">
               <a:rPr lang="en-US" dirty="0"/>
               <a:pPr/>
-              <a:t>6/4/2017</a:t>
+              <a:t>6/5/2017</a:t>
             </a:fld>
             <a:endParaRPr lang="en-US" dirty="0"/>
           </a:p>
@@ -3517,7 +3525,7 @@
             <a:fld id="{B61BEF0D-F0BB-DE4B-95CE-6DB70DBA9567}" type="datetimeFigureOut">
               <a:rPr lang="en-US" dirty="0"/>
               <a:pPr/>
-              <a:t>6/4/2017</a:t>
+              <a:t>6/5/2017</a:t>
             </a:fld>
             <a:endParaRPr lang="en-US" dirty="0"/>
           </a:p>
@@ -3811,7 +3819,7 @@
             <a:fld id="{B61BEF0D-F0BB-DE4B-95CE-6DB70DBA9567}" type="datetimeFigureOut">
               <a:rPr lang="en-US" dirty="0"/>
               <a:pPr/>
-              <a:t>6/4/2017</a:t>
+              <a:t>6/5/2017</a:t>
             </a:fld>
             <a:endParaRPr lang="en-US" dirty="0"/>
           </a:p>
@@ -4250,7 +4258,7 @@
             <a:fld id="{B61BEF0D-F0BB-DE4B-95CE-6DB70DBA9567}" type="datetimeFigureOut">
               <a:rPr lang="en-US" dirty="0"/>
               <a:pPr/>
-              <a:t>6/4/2017</a:t>
+              <a:t>6/5/2017</a:t>
             </a:fld>
             <a:endParaRPr lang="en-US" dirty="0"/>
           </a:p>
@@ -4365,7 +4373,7 @@
             <a:fld id="{B61BEF0D-F0BB-DE4B-95CE-6DB70DBA9567}" type="datetimeFigureOut">
               <a:rPr lang="en-US" dirty="0"/>
               <a:pPr/>
-              <a:t>6/4/2017</a:t>
+              <a:t>6/5/2017</a:t>
             </a:fld>
             <a:endParaRPr lang="en-US" dirty="0"/>
           </a:p>
@@ -4457,7 +4465,7 @@
             <a:fld id="{B61BEF0D-F0BB-DE4B-95CE-6DB70DBA9567}" type="datetimeFigureOut">
               <a:rPr lang="en-US" dirty="0"/>
               <a:pPr/>
-              <a:t>6/4/2017</a:t>
+              <a:t>6/5/2017</a:t>
             </a:fld>
             <a:endParaRPr lang="en-US" dirty="0"/>
           </a:p>
@@ -4737,7 +4745,7 @@
             <a:fld id="{B61BEF0D-F0BB-DE4B-95CE-6DB70DBA9567}" type="datetimeFigureOut">
               <a:rPr lang="en-US" dirty="0"/>
               <a:pPr/>
-              <a:t>6/4/2017</a:t>
+              <a:t>6/5/2017</a:t>
             </a:fld>
             <a:endParaRPr lang="en-US" dirty="0"/>
           </a:p>
@@ -5025,7 +5033,7 @@
             <a:fld id="{B61BEF0D-F0BB-DE4B-95CE-6DB70DBA9567}" type="datetimeFigureOut">
               <a:rPr lang="en-US" dirty="0"/>
               <a:pPr/>
-              <a:t>6/4/2017</a:t>
+              <a:t>6/5/2017</a:t>
             </a:fld>
             <a:endParaRPr lang="en-US" dirty="0"/>
           </a:p>
@@ -5552,7 +5560,7 @@
             <a:fld id="{B61BEF0D-F0BB-DE4B-95CE-6DB70DBA9567}" type="datetimeFigureOut">
               <a:rPr lang="en-US" dirty="0"/>
               <a:pPr/>
-              <a:t>6/4/2017</a:t>
+              <a:t>6/5/2017</a:t>
             </a:fld>
             <a:endParaRPr lang="en-US" dirty="0"/>
           </a:p>
@@ -6153,7 +6161,7 @@
       </p:grpSpPr>
       <p:sp>
         <p:nvSpPr>
-          <p:cNvPr id="2" name="标题 1"/>
+          <p:cNvPr id="32" name="标题 31"/>
           <p:cNvSpPr>
             <a:spLocks noGrp="1"/>
           </p:cNvSpPr>
@@ -6161,18 +6169,27 @@
             <p:ph type="title"/>
           </p:nvPr>
         </p:nvSpPr>
-        <p:spPr/>
+        <p:spPr>
+          <a:xfrm>
+            <a:off x="1484309" y="192559"/>
+            <a:ext cx="10018714" cy="795984"/>
+          </a:xfrm>
+        </p:spPr>
         <p:txBody>
           <a:bodyPr/>
           <a:lstStyle/>
           <a:p>
+            <a:r>
+              <a:rPr lang="en-US" altLang="zh-CN" dirty="0" smtClean="0"/>
+              <a:t>Introduction</a:t>
+            </a:r>
             <a:endParaRPr lang="zh-CN" altLang="en-US" dirty="0"/>
           </a:p>
         </p:txBody>
       </p:sp>
       <p:sp>
         <p:nvSpPr>
-          <p:cNvPr id="3" name="内容占位符 2"/>
+          <p:cNvPr id="33" name="内容占位符 32"/>
           <p:cNvSpPr>
             <a:spLocks noGrp="1"/>
           </p:cNvSpPr>
@@ -6180,15 +6197,234 @@
             <p:ph idx="1"/>
           </p:nvPr>
         </p:nvSpPr>
-        <p:spPr/>
-        <p:txBody>
-          <a:bodyPr/>
+        <p:spPr>
+          <a:xfrm>
+            <a:off x="1484310" y="889686"/>
+            <a:ext cx="10018713" cy="5700583"/>
+          </a:xfrm>
+        </p:spPr>
+        <p:txBody>
+          <a:bodyPr>
+            <a:normAutofit/>
+          </a:bodyPr>
           <a:lstStyle/>
           <a:p>
-            <a:endParaRPr lang="zh-CN" altLang="en-US"/>
-          </a:p>
-        </p:txBody>
-      </p:sp>
+            <a:r>
+              <a:rPr lang="zh-CN" altLang="en-US" dirty="0" smtClean="0"/>
+              <a:t>在之前我们都是使用</a:t>
+            </a:r>
+            <a:r>
+              <a:rPr lang="en-US" altLang="zh-CN" dirty="0" smtClean="0"/>
+              <a:t>action-value</a:t>
+            </a:r>
+            <a:r>
+              <a:rPr lang="zh-CN" altLang="en-US" dirty="0" smtClean="0"/>
+              <a:t>去做决策</a:t>
+            </a:r>
+            <a:r>
+              <a:rPr lang="en-US" altLang="zh-CN" dirty="0" smtClean="0"/>
+              <a:t>.</a:t>
+            </a:r>
+            <a:r>
+              <a:rPr lang="zh-CN" altLang="en-US" dirty="0" smtClean="0"/>
+              <a:t>本章考虑的是如何使用策略评估来直接优化策略</a:t>
+            </a:r>
+            <a:endParaRPr lang="en-US" altLang="zh-CN" dirty="0" smtClean="0"/>
+          </a:p>
+          <a:p>
+            <a:r>
+              <a:rPr lang="zh-CN" altLang="en-US" dirty="0" smtClean="0"/>
+              <a:t>假设一个参数化策略由</a:t>
+            </a:r>
+            <a:r>
+              <a:rPr lang="en-US" altLang="zh-CN" dirty="0" smtClean="0"/>
+              <a:t>theta</a:t>
+            </a:r>
+            <a:r>
+              <a:rPr lang="zh-CN" altLang="en-US" dirty="0" smtClean="0"/>
+              <a:t>来决定</a:t>
+            </a:r>
+            <a:r>
+              <a:rPr lang="en-US" altLang="zh-CN" dirty="0" smtClean="0"/>
+              <a:t>,</a:t>
+            </a:r>
+            <a:r>
+              <a:rPr lang="zh-CN" altLang="en-US" dirty="0" smtClean="0"/>
+              <a:t>我们要做的是改变这个策略的参数</a:t>
+            </a:r>
+            <a:r>
+              <a:rPr lang="en-US" altLang="zh-CN" dirty="0" smtClean="0"/>
+              <a:t>,</a:t>
+            </a:r>
+            <a:r>
+              <a:rPr lang="zh-CN" altLang="en-US" dirty="0" smtClean="0"/>
+              <a:t>从而改变在</a:t>
+            </a:r>
+            <a:r>
+              <a:rPr lang="en-US" altLang="zh-CN" dirty="0" smtClean="0"/>
+              <a:t>t</a:t>
+            </a:r>
+            <a:r>
+              <a:rPr lang="zh-CN" altLang="en-US" dirty="0" smtClean="0"/>
+              <a:t>时刻其选择行为的概率分布</a:t>
+            </a:r>
+            <a:r>
+              <a:rPr lang="en-US" altLang="zh-CN" dirty="0" smtClean="0"/>
+              <a:t>.</a:t>
+            </a:r>
+          </a:p>
+          <a:p>
+            <a:endParaRPr lang="en-US" altLang="zh-CN" dirty="0"/>
+          </a:p>
+          <a:p>
+            <a:r>
+              <a:rPr lang="zh-CN" altLang="en-US" dirty="0" smtClean="0"/>
+              <a:t>我们要最优化策略的效果</a:t>
+            </a:r>
+            <a:r>
+              <a:rPr lang="en-US" altLang="zh-CN" dirty="0" smtClean="0"/>
+              <a:t>,</a:t>
+            </a:r>
+            <a:r>
+              <a:rPr lang="zh-CN" altLang="en-US" dirty="0" smtClean="0"/>
+              <a:t>可以根据效果评估          来调整策略参数</a:t>
+            </a:r>
+            <a:endParaRPr lang="en-US" altLang="zh-CN" dirty="0" smtClean="0"/>
+          </a:p>
+          <a:p>
+            <a:endParaRPr lang="en-US" altLang="zh-CN" dirty="0"/>
+          </a:p>
+          <a:p>
+            <a:r>
+              <a:rPr lang="zh-CN" altLang="en-US" dirty="0" smtClean="0"/>
+              <a:t>所有这一类的方法都被成为策略梯度法</a:t>
+            </a:r>
+            <a:r>
+              <a:rPr lang="en-US" altLang="zh-CN" dirty="0" smtClean="0"/>
+              <a:t>.</a:t>
+            </a:r>
+            <a:r>
+              <a:rPr lang="zh-CN" altLang="en-US" dirty="0" smtClean="0"/>
+              <a:t>同时使用了策略与值函数的方法被成为演员评审方法</a:t>
+            </a:r>
+            <a:r>
+              <a:rPr lang="en-US" altLang="zh-CN" dirty="0" smtClean="0"/>
+              <a:t>,</a:t>
+            </a:r>
+            <a:r>
+              <a:rPr lang="zh-CN" altLang="en-US" dirty="0" smtClean="0"/>
+              <a:t>即</a:t>
+            </a:r>
+            <a:r>
+              <a:rPr lang="en-US" altLang="zh-CN" i="1" dirty="0" smtClean="0"/>
+              <a:t>actor-critic methods</a:t>
+            </a:r>
+            <a:r>
+              <a:rPr lang="en-US" altLang="zh-CN" dirty="0" smtClean="0"/>
+              <a:t>,</a:t>
+            </a:r>
+            <a:r>
+              <a:rPr lang="zh-CN" altLang="en-US" dirty="0" smtClean="0"/>
+              <a:t>演员就是学到的策略</a:t>
+            </a:r>
+            <a:r>
+              <a:rPr lang="en-US" altLang="zh-CN" dirty="0" smtClean="0"/>
+              <a:t>,critic</a:t>
+            </a:r>
+            <a:r>
+              <a:rPr lang="zh-CN" altLang="en-US" dirty="0" smtClean="0"/>
+              <a:t>就是值函数</a:t>
+            </a:r>
+            <a:r>
+              <a:rPr lang="en-US" altLang="zh-CN" dirty="0" smtClean="0"/>
+              <a:t>.</a:t>
+            </a:r>
+          </a:p>
+          <a:p>
+            <a:r>
+              <a:rPr lang="zh-CN" altLang="en-US" dirty="0" smtClean="0"/>
+              <a:t>本章还会提到对于连续行为空间的策略梯度法</a:t>
+            </a:r>
+            <a:r>
+              <a:rPr lang="en-US" altLang="zh-CN" dirty="0" smtClean="0"/>
+              <a:t>.</a:t>
+            </a:r>
+            <a:endParaRPr lang="zh-CN" altLang="en-US" dirty="0"/>
+          </a:p>
+        </p:txBody>
+      </p:sp>
+      <p:pic>
+        <p:nvPicPr>
+          <p:cNvPr id="4" name="图片 3"/>
+          <p:cNvPicPr>
+            <a:picLocks noChangeAspect="1"/>
+          </p:cNvPicPr>
+          <p:nvPr/>
+        </p:nvPicPr>
+        <p:blipFill>
+          <a:blip r:embed="rId2"/>
+          <a:stretch>
+            <a:fillRect/>
+          </a:stretch>
+        </p:blipFill>
+        <p:spPr>
+          <a:xfrm>
+            <a:off x="1880156" y="3994385"/>
+            <a:ext cx="2638425" cy="457200"/>
+          </a:xfrm>
+          <a:prstGeom prst="rect">
+            <a:avLst/>
+          </a:prstGeom>
+        </p:spPr>
+      </p:pic>
+      <p:pic>
+        <p:nvPicPr>
+          <p:cNvPr id="5" name="图片 4"/>
+          <p:cNvPicPr>
+            <a:picLocks noChangeAspect="1"/>
+          </p:cNvPicPr>
+          <p:nvPr/>
+        </p:nvPicPr>
+        <p:blipFill>
+          <a:blip r:embed="rId3"/>
+          <a:stretch>
+            <a:fillRect/>
+          </a:stretch>
+        </p:blipFill>
+        <p:spPr>
+          <a:xfrm>
+            <a:off x="1880156" y="3003976"/>
+            <a:ext cx="4543425" cy="409575"/>
+          </a:xfrm>
+          <a:prstGeom prst="rect">
+            <a:avLst/>
+          </a:prstGeom>
+        </p:spPr>
+      </p:pic>
+      <p:pic>
+        <p:nvPicPr>
+          <p:cNvPr id="34" name="图片 33"/>
+          <p:cNvPicPr>
+            <a:picLocks noChangeAspect="1"/>
+          </p:cNvPicPr>
+          <p:nvPr/>
+        </p:nvPicPr>
+        <p:blipFill>
+          <a:blip r:embed="rId4"/>
+          <a:stretch>
+            <a:fillRect/>
+          </a:stretch>
+        </p:blipFill>
+        <p:spPr>
+          <a:xfrm>
+            <a:off x="7751806" y="3544714"/>
+            <a:ext cx="609600" cy="390525"/>
+          </a:xfrm>
+          <a:prstGeom prst="rect">
+            <a:avLst/>
+          </a:prstGeom>
+        </p:spPr>
+      </p:pic>
     </p:spTree>
     <p:extLst>
       <p:ext uri="{BB962C8B-B14F-4D97-AF65-F5344CB8AC3E}">
@@ -6199,6 +6435,575 @@
   <p:clrMapOvr>
     <a:masterClrMapping/>
   </p:clrMapOvr>
+  <p:timing>
+    <p:tnLst>
+      <p:par>
+        <p:cTn id="1" dur="indefinite" restart="never" nodeType="tmRoot"/>
+      </p:par>
+    </p:tnLst>
+  </p:timing>
+</p:sld>
+</file>
+
+<file path=ppt/slides/slide3.xml><?xml version="1.0" encoding="utf-8"?>
+<p:sld xmlns:a="http://schemas.openxmlformats.org/drawingml/2006/main" xmlns:r="http://schemas.openxmlformats.org/officeDocument/2006/relationships" xmlns:p="http://schemas.openxmlformats.org/presentationml/2006/main">
+  <p:cSld>
+    <p:spTree>
+      <p:nvGrpSpPr>
+        <p:cNvPr id="1" name=""/>
+        <p:cNvGrpSpPr/>
+        <p:nvPr/>
+      </p:nvGrpSpPr>
+      <p:grpSpPr>
+        <a:xfrm>
+          <a:off x="0" y="0"/>
+          <a:ext cx="0" cy="0"/>
+          <a:chOff x="0" y="0"/>
+          <a:chExt cx="0" cy="0"/>
+        </a:xfrm>
+      </p:grpSpPr>
+      <p:sp>
+        <p:nvSpPr>
+          <p:cNvPr id="32" name="标题 31"/>
+          <p:cNvSpPr>
+            <a:spLocks noGrp="1"/>
+          </p:cNvSpPr>
+          <p:nvPr>
+            <p:ph type="title"/>
+          </p:nvPr>
+        </p:nvSpPr>
+        <p:spPr>
+          <a:xfrm>
+            <a:off x="1484309" y="192559"/>
+            <a:ext cx="10018714" cy="795984"/>
+          </a:xfrm>
+        </p:spPr>
+        <p:txBody>
+          <a:bodyPr/>
+          <a:lstStyle/>
+          <a:p>
+            <a:r>
+              <a:rPr lang="en-US" altLang="zh-CN" dirty="0"/>
+              <a:t>13.1 Policy Approximation and its Advantages</a:t>
+            </a:r>
+            <a:endParaRPr lang="zh-CN" altLang="en-US" dirty="0"/>
+          </a:p>
+        </p:txBody>
+      </p:sp>
+      <p:sp>
+        <p:nvSpPr>
+          <p:cNvPr id="33" name="内容占位符 32"/>
+          <p:cNvSpPr>
+            <a:spLocks noGrp="1"/>
+          </p:cNvSpPr>
+          <p:nvPr>
+            <p:ph idx="1"/>
+          </p:nvPr>
+        </p:nvSpPr>
+        <p:spPr>
+          <a:xfrm>
+            <a:off x="1484310" y="889686"/>
+            <a:ext cx="10018713" cy="5700583"/>
+          </a:xfrm>
+        </p:spPr>
+        <p:txBody>
+          <a:bodyPr>
+            <a:normAutofit/>
+          </a:bodyPr>
+          <a:lstStyle/>
+          <a:p>
+            <a:r>
+              <a:rPr lang="zh-CN" altLang="en-US" dirty="0" smtClean="0"/>
+              <a:t>策略一般要求不能是固定的</a:t>
+            </a:r>
+            <a:r>
+              <a:rPr lang="en-US" altLang="zh-CN" dirty="0" smtClean="0"/>
+              <a:t>,</a:t>
+            </a:r>
+            <a:r>
+              <a:rPr lang="zh-CN" altLang="en-US" dirty="0" smtClean="0"/>
+              <a:t>需要有</a:t>
+            </a:r>
+            <a:r>
+              <a:rPr lang="en-US" altLang="zh-CN" dirty="0" smtClean="0"/>
+              <a:t>epsilon</a:t>
+            </a:r>
+            <a:r>
+              <a:rPr lang="zh-CN" altLang="en-US" dirty="0" smtClean="0"/>
+              <a:t>才能学到最优的策略</a:t>
+            </a:r>
+            <a:endParaRPr lang="en-US" altLang="zh-CN" dirty="0" smtClean="0"/>
+          </a:p>
+          <a:p>
+            <a:r>
+              <a:rPr lang="zh-CN" altLang="en-US" dirty="0" smtClean="0"/>
+              <a:t>选择行为的数值倾向函数为                             </a:t>
+            </a:r>
+            <a:r>
+              <a:rPr lang="en-US" altLang="zh-CN" dirty="0" smtClean="0"/>
+              <a:t>,</a:t>
+            </a:r>
+            <a:r>
+              <a:rPr lang="zh-CN" altLang="en-US" dirty="0" smtClean="0"/>
+              <a:t>通过</a:t>
+            </a:r>
+            <a:r>
+              <a:rPr lang="en-US" altLang="zh-CN" dirty="0" err="1" smtClean="0"/>
+              <a:t>softmax</a:t>
+            </a:r>
+            <a:r>
+              <a:rPr lang="zh-CN" altLang="en-US" dirty="0" smtClean="0"/>
+              <a:t>可以计算选择每个行为的概率</a:t>
+            </a:r>
+            <a:endParaRPr lang="en-US" altLang="zh-CN" dirty="0" smtClean="0"/>
+          </a:p>
+          <a:p>
+            <a:endParaRPr lang="en-US" altLang="zh-CN" dirty="0"/>
+          </a:p>
+          <a:p>
+            <a:r>
+              <a:rPr lang="zh-CN" altLang="en-US" dirty="0" smtClean="0"/>
+              <a:t>而                             可以使用多种函数近似来表达</a:t>
+            </a:r>
+            <a:r>
+              <a:rPr lang="en-US" altLang="zh-CN" dirty="0" smtClean="0"/>
+              <a:t>.</a:t>
+            </a:r>
+            <a:r>
+              <a:rPr lang="zh-CN" altLang="en-US" dirty="0" smtClean="0"/>
+              <a:t>可以是线性的也可以是神经网络</a:t>
+            </a:r>
+            <a:endParaRPr lang="en-US" altLang="zh-CN" dirty="0" smtClean="0"/>
+          </a:p>
+          <a:p>
+            <a:r>
+              <a:rPr lang="zh-CN" altLang="en-US" dirty="0"/>
+              <a:t>相比</a:t>
+            </a:r>
+            <a:r>
+              <a:rPr lang="zh-CN" altLang="en-US" dirty="0" smtClean="0"/>
+              <a:t>于行为值函数方法</a:t>
+            </a:r>
+            <a:r>
+              <a:rPr lang="en-US" altLang="zh-CN" dirty="0" smtClean="0"/>
+              <a:t>,</a:t>
+            </a:r>
+            <a:r>
+              <a:rPr lang="zh-CN" altLang="en-US" dirty="0" smtClean="0"/>
+              <a:t>策略可能更简单去逼近</a:t>
+            </a:r>
+            <a:r>
+              <a:rPr lang="en-US" altLang="zh-CN" dirty="0" smtClean="0"/>
+              <a:t>.</a:t>
+            </a:r>
+            <a:r>
+              <a:rPr lang="zh-CN" altLang="en-US" dirty="0" smtClean="0"/>
+              <a:t>对于一些问题</a:t>
+            </a:r>
+            <a:r>
+              <a:rPr lang="en-US" altLang="zh-CN" dirty="0" smtClean="0"/>
+              <a:t>,</a:t>
+            </a:r>
+            <a:r>
+              <a:rPr lang="zh-CN" altLang="en-US" dirty="0" smtClean="0"/>
+              <a:t>行为值很容易估计</a:t>
+            </a:r>
+            <a:r>
+              <a:rPr lang="en-US" altLang="zh-CN" dirty="0" smtClean="0"/>
+              <a:t>,</a:t>
+            </a:r>
+            <a:r>
+              <a:rPr lang="zh-CN" altLang="en-US" dirty="0" smtClean="0"/>
+              <a:t>所以采取行为值函数方法更好</a:t>
+            </a:r>
+            <a:r>
+              <a:rPr lang="en-US" altLang="zh-CN" dirty="0" smtClean="0"/>
+              <a:t>.</a:t>
+            </a:r>
+            <a:r>
+              <a:rPr lang="zh-CN" altLang="en-US" dirty="0" smtClean="0"/>
+              <a:t>但有一些方法策略本身很简单</a:t>
+            </a:r>
+            <a:r>
+              <a:rPr lang="en-US" altLang="zh-CN" dirty="0" smtClean="0"/>
+              <a:t>,</a:t>
+            </a:r>
+            <a:r>
+              <a:rPr lang="zh-CN" altLang="en-US" dirty="0" smtClean="0"/>
+              <a:t>所以策略逼近的方法更好</a:t>
+            </a:r>
+            <a:r>
+              <a:rPr lang="en-US" altLang="zh-CN" dirty="0" smtClean="0"/>
+              <a:t>.</a:t>
+            </a:r>
+          </a:p>
+          <a:p>
+            <a:r>
+              <a:rPr lang="zh-CN" altLang="en-US" dirty="0"/>
+              <a:t>书</a:t>
+            </a:r>
+            <a:r>
+              <a:rPr lang="zh-CN" altLang="en-US" dirty="0" smtClean="0"/>
+              <a:t>上的例子</a:t>
+            </a:r>
+            <a:r>
+              <a:rPr lang="en-US" altLang="zh-CN" dirty="0" smtClean="0"/>
+              <a:t>Example 13.1</a:t>
+            </a:r>
+            <a:endParaRPr lang="zh-CN" altLang="en-US" dirty="0"/>
+          </a:p>
+        </p:txBody>
+      </p:sp>
+      <p:pic>
+        <p:nvPicPr>
+          <p:cNvPr id="2" name="图片 1"/>
+          <p:cNvPicPr>
+            <a:picLocks noChangeAspect="1"/>
+          </p:cNvPicPr>
+          <p:nvPr/>
+        </p:nvPicPr>
+        <p:blipFill>
+          <a:blip r:embed="rId2"/>
+          <a:stretch>
+            <a:fillRect/>
+          </a:stretch>
+        </p:blipFill>
+        <p:spPr>
+          <a:xfrm>
+            <a:off x="5517549" y="2035907"/>
+            <a:ext cx="1733550" cy="400050"/>
+          </a:xfrm>
+          <a:prstGeom prst="rect">
+            <a:avLst/>
+          </a:prstGeom>
+        </p:spPr>
+      </p:pic>
+      <p:pic>
+        <p:nvPicPr>
+          <p:cNvPr id="3" name="图片 2"/>
+          <p:cNvPicPr>
+            <a:picLocks noChangeAspect="1"/>
+          </p:cNvPicPr>
+          <p:nvPr/>
+        </p:nvPicPr>
+        <p:blipFill>
+          <a:blip r:embed="rId3"/>
+          <a:stretch>
+            <a:fillRect/>
+          </a:stretch>
+        </p:blipFill>
+        <p:spPr>
+          <a:xfrm>
+            <a:off x="3927132" y="2557977"/>
+            <a:ext cx="3667125" cy="828675"/>
+          </a:xfrm>
+          <a:prstGeom prst="rect">
+            <a:avLst/>
+          </a:prstGeom>
+        </p:spPr>
+      </p:pic>
+      <p:pic>
+        <p:nvPicPr>
+          <p:cNvPr id="9" name="图片 8"/>
+          <p:cNvPicPr>
+            <a:picLocks noChangeAspect="1"/>
+          </p:cNvPicPr>
+          <p:nvPr/>
+        </p:nvPicPr>
+        <p:blipFill>
+          <a:blip r:embed="rId2"/>
+          <a:stretch>
+            <a:fillRect/>
+          </a:stretch>
+        </p:blipFill>
+        <p:spPr>
+          <a:xfrm>
+            <a:off x="2193582" y="3469161"/>
+            <a:ext cx="1733550" cy="400050"/>
+          </a:xfrm>
+          <a:prstGeom prst="rect">
+            <a:avLst/>
+          </a:prstGeom>
+        </p:spPr>
+      </p:pic>
+    </p:spTree>
+    <p:extLst>
+      <p:ext uri="{BB962C8B-B14F-4D97-AF65-F5344CB8AC3E}">
+        <p14:creationId xmlns:p14="http://schemas.microsoft.com/office/powerpoint/2010/main" val="28703040"/>
+      </p:ext>
+    </p:extLst>
+  </p:cSld>
+  <p:clrMapOvr>
+    <a:masterClrMapping/>
+  </p:clrMapOvr>
+  <p:timing>
+    <p:tnLst>
+      <p:par>
+        <p:cTn id="1" dur="indefinite" restart="never" nodeType="tmRoot"/>
+      </p:par>
+    </p:tnLst>
+  </p:timing>
+</p:sld>
+</file>
+
+<file path=ppt/slides/slide4.xml><?xml version="1.0" encoding="utf-8"?>
+<p:sld xmlns:a="http://schemas.openxmlformats.org/drawingml/2006/main" xmlns:r="http://schemas.openxmlformats.org/officeDocument/2006/relationships" xmlns:p="http://schemas.openxmlformats.org/presentationml/2006/main">
+  <p:cSld>
+    <p:spTree>
+      <p:nvGrpSpPr>
+        <p:cNvPr id="1" name=""/>
+        <p:cNvGrpSpPr/>
+        <p:nvPr/>
+      </p:nvGrpSpPr>
+      <p:grpSpPr>
+        <a:xfrm>
+          <a:off x="0" y="0"/>
+          <a:ext cx="0" cy="0"/>
+          <a:chOff x="0" y="0"/>
+          <a:chExt cx="0" cy="0"/>
+        </a:xfrm>
+      </p:grpSpPr>
+      <p:sp>
+        <p:nvSpPr>
+          <p:cNvPr id="32" name="标题 31"/>
+          <p:cNvSpPr>
+            <a:spLocks noGrp="1"/>
+          </p:cNvSpPr>
+          <p:nvPr>
+            <p:ph type="title"/>
+          </p:nvPr>
+        </p:nvSpPr>
+        <p:spPr>
+          <a:xfrm>
+            <a:off x="1484309" y="192559"/>
+            <a:ext cx="10018714" cy="795984"/>
+          </a:xfrm>
+        </p:spPr>
+        <p:txBody>
+          <a:bodyPr/>
+          <a:lstStyle/>
+          <a:p>
+            <a:r>
+              <a:rPr lang="en-US" altLang="zh-CN" dirty="0"/>
+              <a:t>13.2 The Policy Gradient Theorem</a:t>
+            </a:r>
+            <a:endParaRPr lang="zh-CN" altLang="en-US" dirty="0"/>
+          </a:p>
+        </p:txBody>
+      </p:sp>
+      <p:sp>
+        <p:nvSpPr>
+          <p:cNvPr id="33" name="内容占位符 32"/>
+          <p:cNvSpPr>
+            <a:spLocks noGrp="1"/>
+          </p:cNvSpPr>
+          <p:nvPr>
+            <p:ph idx="1"/>
+          </p:nvPr>
+        </p:nvSpPr>
+        <p:spPr>
+          <a:xfrm>
+            <a:off x="1484310" y="889686"/>
+            <a:ext cx="10018713" cy="5700583"/>
+          </a:xfrm>
+        </p:spPr>
+        <p:txBody>
+          <a:bodyPr>
+            <a:normAutofit/>
+          </a:bodyPr>
+          <a:lstStyle/>
+          <a:p>
+            <a:r>
+              <a:rPr lang="zh-CN" altLang="en-US" dirty="0" smtClean="0"/>
+              <a:t>最重要的是效果评估</a:t>
+            </a:r>
+            <a:r>
+              <a:rPr lang="en-US" altLang="zh-CN" dirty="0" smtClean="0"/>
+              <a:t>Eta     </a:t>
+            </a:r>
+            <a:r>
+              <a:rPr lang="zh-CN" altLang="en-US" dirty="0" smtClean="0"/>
+              <a:t>怎么定义</a:t>
+            </a:r>
+            <a:endParaRPr lang="en-US" altLang="zh-CN" dirty="0" smtClean="0"/>
+          </a:p>
+          <a:p>
+            <a:r>
+              <a:rPr lang="zh-CN" altLang="en-US" dirty="0" smtClean="0"/>
+              <a:t>首先考虑</a:t>
+            </a:r>
+            <a:r>
+              <a:rPr lang="en-US" altLang="zh-CN" dirty="0"/>
+              <a:t>episodic case</a:t>
+            </a:r>
+            <a:endParaRPr lang="zh-CN" altLang="en-US" dirty="0"/>
+          </a:p>
+        </p:txBody>
+      </p:sp>
+      <p:pic>
+        <p:nvPicPr>
+          <p:cNvPr id="4" name="图片 3"/>
+          <p:cNvPicPr>
+            <a:picLocks noChangeAspect="1"/>
+          </p:cNvPicPr>
+          <p:nvPr/>
+        </p:nvPicPr>
+        <p:blipFill>
+          <a:blip r:embed="rId2"/>
+          <a:stretch>
+            <a:fillRect/>
+          </a:stretch>
+        </p:blipFill>
+        <p:spPr>
+          <a:xfrm>
+            <a:off x="5054299" y="3582814"/>
+            <a:ext cx="238125" cy="314325"/>
+          </a:xfrm>
+          <a:prstGeom prst="rect">
+            <a:avLst/>
+          </a:prstGeom>
+        </p:spPr>
+      </p:pic>
+      <p:pic>
+        <p:nvPicPr>
+          <p:cNvPr id="5" name="图片 4"/>
+          <p:cNvPicPr>
+            <a:picLocks noChangeAspect="1"/>
+          </p:cNvPicPr>
+          <p:nvPr/>
+        </p:nvPicPr>
+        <p:blipFill>
+          <a:blip r:embed="rId3"/>
+          <a:stretch>
+            <a:fillRect/>
+          </a:stretch>
+        </p:blipFill>
+        <p:spPr>
+          <a:xfrm>
+            <a:off x="1924693" y="4349578"/>
+            <a:ext cx="4981575" cy="762000"/>
+          </a:xfrm>
+          <a:prstGeom prst="rect">
+            <a:avLst/>
+          </a:prstGeom>
+        </p:spPr>
+      </p:pic>
+      <p:pic>
+        <p:nvPicPr>
+          <p:cNvPr id="6" name="图片 5"/>
+          <p:cNvPicPr>
+            <a:picLocks noChangeAspect="1"/>
+          </p:cNvPicPr>
+          <p:nvPr/>
+        </p:nvPicPr>
+        <p:blipFill>
+          <a:blip r:embed="rId4"/>
+          <a:stretch>
+            <a:fillRect/>
+          </a:stretch>
+        </p:blipFill>
+        <p:spPr>
+          <a:xfrm>
+            <a:off x="6493666" y="3649489"/>
+            <a:ext cx="1847850" cy="495300"/>
+          </a:xfrm>
+          <a:prstGeom prst="rect">
+            <a:avLst/>
+          </a:prstGeom>
+        </p:spPr>
+      </p:pic>
+    </p:spTree>
+    <p:extLst>
+      <p:ext uri="{BB962C8B-B14F-4D97-AF65-F5344CB8AC3E}">
+        <p14:creationId xmlns:p14="http://schemas.microsoft.com/office/powerpoint/2010/main" val="2112254325"/>
+      </p:ext>
+    </p:extLst>
+  </p:cSld>
+  <p:clrMapOvr>
+    <a:masterClrMapping/>
+  </p:clrMapOvr>
+  <p:timing>
+    <p:tnLst>
+      <p:par>
+        <p:cTn id="1" dur="indefinite" restart="never" nodeType="tmRoot"/>
+      </p:par>
+    </p:tnLst>
+  </p:timing>
+</p:sld>
+</file>
+
+<file path=ppt/slides/slide5.xml><?xml version="1.0" encoding="utf-8"?>
+<p:sld xmlns:a="http://schemas.openxmlformats.org/drawingml/2006/main" xmlns:r="http://schemas.openxmlformats.org/officeDocument/2006/relationships" xmlns:p="http://schemas.openxmlformats.org/presentationml/2006/main">
+  <p:cSld>
+    <p:spTree>
+      <p:nvGrpSpPr>
+        <p:cNvPr id="1" name=""/>
+        <p:cNvGrpSpPr/>
+        <p:nvPr/>
+      </p:nvGrpSpPr>
+      <p:grpSpPr>
+        <a:xfrm>
+          <a:off x="0" y="0"/>
+          <a:ext cx="0" cy="0"/>
+          <a:chOff x="0" y="0"/>
+          <a:chExt cx="0" cy="0"/>
+        </a:xfrm>
+      </p:grpSpPr>
+      <p:sp>
+        <p:nvSpPr>
+          <p:cNvPr id="2" name="标题 1"/>
+          <p:cNvSpPr>
+            <a:spLocks noGrp="1"/>
+          </p:cNvSpPr>
+          <p:nvPr>
+            <p:ph type="title"/>
+          </p:nvPr>
+        </p:nvSpPr>
+        <p:spPr/>
+        <p:txBody>
+          <a:bodyPr/>
+          <a:lstStyle/>
+          <a:p>
+            <a:endParaRPr lang="zh-CN" altLang="en-US" dirty="0"/>
+          </a:p>
+        </p:txBody>
+      </p:sp>
+      <p:sp>
+        <p:nvSpPr>
+          <p:cNvPr id="3" name="内容占位符 2"/>
+          <p:cNvSpPr>
+            <a:spLocks noGrp="1"/>
+          </p:cNvSpPr>
+          <p:nvPr>
+            <p:ph idx="1"/>
+          </p:nvPr>
+        </p:nvSpPr>
+        <p:spPr/>
+        <p:txBody>
+          <a:bodyPr/>
+          <a:lstStyle/>
+          <a:p>
+            <a:endParaRPr lang="zh-CN" altLang="en-US"/>
+          </a:p>
+        </p:txBody>
+      </p:sp>
+    </p:spTree>
+    <p:extLst>
+      <p:ext uri="{BB962C8B-B14F-4D97-AF65-F5344CB8AC3E}">
+        <p14:creationId xmlns:p14="http://schemas.microsoft.com/office/powerpoint/2010/main" val="3708643801"/>
+      </p:ext>
+    </p:extLst>
+  </p:cSld>
+  <p:clrMapOvr>
+    <a:masterClrMapping/>
+  </p:clrMapOvr>
+  <p:timing>
+    <p:tnLst>
+      <p:par>
+        <p:cTn id="1" dur="indefinite" restart="never" nodeType="tmRoot"/>
+      </p:par>
+    </p:tnLst>
+  </p:timing>
 </p:sld>
 </file>
 

--- a/Chapter 13.pptx
+++ b/Chapter 13.pptx
@@ -8,8 +8,12 @@
     <p:sldId id="256" r:id="rId2"/>
     <p:sldId id="257" r:id="rId3"/>
     <p:sldId id="259" r:id="rId4"/>
-    <p:sldId id="260" r:id="rId5"/>
-    <p:sldId id="258" r:id="rId6"/>
+    <p:sldId id="261" r:id="rId5"/>
+    <p:sldId id="260" r:id="rId6"/>
+    <p:sldId id="262" r:id="rId7"/>
+    <p:sldId id="263" r:id="rId8"/>
+    <p:sldId id="264" r:id="rId9"/>
+    <p:sldId id="258" r:id="rId10"/>
   </p:sldIdLst>
   <p:sldSz cx="12192000" cy="6858000"/>
   <p:notesSz cx="6858000" cy="9144000"/>
@@ -619,7 +623,7 @@
             <a:fld id="{B61BEF0D-F0BB-DE4B-95CE-6DB70DBA9567}" type="datetimeFigureOut">
               <a:rPr lang="en-US" dirty="0"/>
               <a:pPr/>
-              <a:t>6/5/2017</a:t>
+              <a:t>6/6/2017</a:t>
             </a:fld>
             <a:endParaRPr lang="en-US" dirty="0"/>
           </a:p>
@@ -912,7 +916,7 @@
             <a:fld id="{B61BEF0D-F0BB-DE4B-95CE-6DB70DBA9567}" type="datetimeFigureOut">
               <a:rPr lang="en-US" dirty="0"/>
               <a:pPr/>
-              <a:t>6/5/2017</a:t>
+              <a:t>6/6/2017</a:t>
             </a:fld>
             <a:endParaRPr lang="en-US" dirty="0"/>
           </a:p>
@@ -1157,7 +1161,7 @@
             <a:fld id="{B61BEF0D-F0BB-DE4B-95CE-6DB70DBA9567}" type="datetimeFigureOut">
               <a:rPr lang="en-US" dirty="0"/>
               <a:pPr/>
-              <a:t>6/5/2017</a:t>
+              <a:t>6/6/2017</a:t>
             </a:fld>
             <a:endParaRPr lang="en-US" dirty="0"/>
           </a:p>
@@ -1694,7 +1698,7 @@
             <a:fld id="{B61BEF0D-F0BB-DE4B-95CE-6DB70DBA9567}" type="datetimeFigureOut">
               <a:rPr lang="en-US" dirty="0"/>
               <a:pPr/>
-              <a:t>6/5/2017</a:t>
+              <a:t>6/6/2017</a:t>
             </a:fld>
             <a:endParaRPr lang="en-US" dirty="0"/>
           </a:p>
@@ -1939,7 +1943,7 @@
             <a:fld id="{B61BEF0D-F0BB-DE4B-95CE-6DB70DBA9567}" type="datetimeFigureOut">
               <a:rPr lang="en-US" dirty="0"/>
               <a:pPr/>
-              <a:t>6/5/2017</a:t>
+              <a:t>6/6/2017</a:t>
             </a:fld>
             <a:endParaRPr lang="en-US" dirty="0"/>
           </a:p>
@@ -2468,7 +2472,7 @@
             <a:fld id="{B61BEF0D-F0BB-DE4B-95CE-6DB70DBA9567}" type="datetimeFigureOut">
               <a:rPr lang="en-US" dirty="0"/>
               <a:pPr/>
-              <a:t>6/5/2017</a:t>
+              <a:t>6/6/2017</a:t>
             </a:fld>
             <a:endParaRPr lang="en-US" dirty="0"/>
           </a:p>
@@ -2762,7 +2766,7 @@
             <a:fld id="{B61BEF0D-F0BB-DE4B-95CE-6DB70DBA9567}" type="datetimeFigureOut">
               <a:rPr lang="en-US" dirty="0"/>
               <a:pPr/>
-              <a:t>6/5/2017</a:t>
+              <a:t>6/6/2017</a:t>
             </a:fld>
             <a:endParaRPr lang="en-US" dirty="0"/>
           </a:p>
@@ -2933,7 +2937,7 @@
             <a:fld id="{B61BEF0D-F0BB-DE4B-95CE-6DB70DBA9567}" type="datetimeFigureOut">
               <a:rPr lang="en-US" dirty="0"/>
               <a:pPr/>
-              <a:t>6/5/2017</a:t>
+              <a:t>6/6/2017</a:t>
             </a:fld>
             <a:endParaRPr lang="en-US" dirty="0"/>
           </a:p>
@@ -3110,7 +3114,7 @@
             <a:fld id="{B61BEF0D-F0BB-DE4B-95CE-6DB70DBA9567}" type="datetimeFigureOut">
               <a:rPr lang="en-US" dirty="0"/>
               <a:pPr/>
-              <a:t>6/5/2017</a:t>
+              <a:t>6/6/2017</a:t>
             </a:fld>
             <a:endParaRPr lang="en-US" dirty="0"/>
           </a:p>
@@ -3277,7 +3281,7 @@
             <a:fld id="{B61BEF0D-F0BB-DE4B-95CE-6DB70DBA9567}" type="datetimeFigureOut">
               <a:rPr lang="en-US" dirty="0"/>
               <a:pPr/>
-              <a:t>6/5/2017</a:t>
+              <a:t>6/6/2017</a:t>
             </a:fld>
             <a:endParaRPr lang="en-US" dirty="0"/>
           </a:p>
@@ -3525,7 +3529,7 @@
             <a:fld id="{B61BEF0D-F0BB-DE4B-95CE-6DB70DBA9567}" type="datetimeFigureOut">
               <a:rPr lang="en-US" dirty="0"/>
               <a:pPr/>
-              <a:t>6/5/2017</a:t>
+              <a:t>6/6/2017</a:t>
             </a:fld>
             <a:endParaRPr lang="en-US" dirty="0"/>
           </a:p>
@@ -3819,7 +3823,7 @@
             <a:fld id="{B61BEF0D-F0BB-DE4B-95CE-6DB70DBA9567}" type="datetimeFigureOut">
               <a:rPr lang="en-US" dirty="0"/>
               <a:pPr/>
-              <a:t>6/5/2017</a:t>
+              <a:t>6/6/2017</a:t>
             </a:fld>
             <a:endParaRPr lang="en-US" dirty="0"/>
           </a:p>
@@ -4258,7 +4262,7 @@
             <a:fld id="{B61BEF0D-F0BB-DE4B-95CE-6DB70DBA9567}" type="datetimeFigureOut">
               <a:rPr lang="en-US" dirty="0"/>
               <a:pPr/>
-              <a:t>6/5/2017</a:t>
+              <a:t>6/6/2017</a:t>
             </a:fld>
             <a:endParaRPr lang="en-US" dirty="0"/>
           </a:p>
@@ -4373,7 +4377,7 @@
             <a:fld id="{B61BEF0D-F0BB-DE4B-95CE-6DB70DBA9567}" type="datetimeFigureOut">
               <a:rPr lang="en-US" dirty="0"/>
               <a:pPr/>
-              <a:t>6/5/2017</a:t>
+              <a:t>6/6/2017</a:t>
             </a:fld>
             <a:endParaRPr lang="en-US" dirty="0"/>
           </a:p>
@@ -4465,7 +4469,7 @@
             <a:fld id="{B61BEF0D-F0BB-DE4B-95CE-6DB70DBA9567}" type="datetimeFigureOut">
               <a:rPr lang="en-US" dirty="0"/>
               <a:pPr/>
-              <a:t>6/5/2017</a:t>
+              <a:t>6/6/2017</a:t>
             </a:fld>
             <a:endParaRPr lang="en-US" dirty="0"/>
           </a:p>
@@ -4745,7 +4749,7 @@
             <a:fld id="{B61BEF0D-F0BB-DE4B-95CE-6DB70DBA9567}" type="datetimeFigureOut">
               <a:rPr lang="en-US" dirty="0"/>
               <a:pPr/>
-              <a:t>6/5/2017</a:t>
+              <a:t>6/6/2017</a:t>
             </a:fld>
             <a:endParaRPr lang="en-US" dirty="0"/>
           </a:p>
@@ -5033,7 +5037,7 @@
             <a:fld id="{B61BEF0D-F0BB-DE4B-95CE-6DB70DBA9567}" type="datetimeFigureOut">
               <a:rPr lang="en-US" dirty="0"/>
               <a:pPr/>
-              <a:t>6/5/2017</a:t>
+              <a:t>6/6/2017</a:t>
             </a:fld>
             <a:endParaRPr lang="en-US" dirty="0"/>
           </a:p>
@@ -5560,7 +5564,7 @@
             <a:fld id="{B61BEF0D-F0BB-DE4B-95CE-6DB70DBA9567}" type="datetimeFigureOut">
               <a:rPr lang="en-US" dirty="0"/>
               <a:pPr/>
-              <a:t>6/5/2017</a:t>
+              <a:t>6/6/2017</a:t>
             </a:fld>
             <a:endParaRPr lang="en-US" dirty="0"/>
           </a:p>
@@ -6199,12 +6203,12 @@
         </p:nvSpPr>
         <p:spPr>
           <a:xfrm>
-            <a:off x="1484310" y="889686"/>
-            <a:ext cx="10018713" cy="5700583"/>
+            <a:off x="1484310" y="1252151"/>
+            <a:ext cx="10018713" cy="5338118"/>
           </a:xfrm>
         </p:spPr>
         <p:txBody>
-          <a:bodyPr>
+          <a:bodyPr anchor="t">
             <a:normAutofit/>
           </a:bodyPr>
           <a:lstStyle/>
@@ -6502,12 +6506,12 @@
         </p:nvSpPr>
         <p:spPr>
           <a:xfrm>
-            <a:off x="1484310" y="889686"/>
-            <a:ext cx="10018713" cy="5700583"/>
+            <a:off x="1484310" y="1507524"/>
+            <a:ext cx="10018713" cy="5082745"/>
           </a:xfrm>
         </p:spPr>
         <p:txBody>
-          <a:bodyPr>
+          <a:bodyPr anchor="t">
             <a:normAutofit/>
           </a:bodyPr>
           <a:lstStyle/>
@@ -6765,6 +6769,313 @@
       </p:grpSpPr>
       <p:sp>
         <p:nvSpPr>
+          <p:cNvPr id="7" name="矩形 6"/>
+          <p:cNvSpPr/>
+          <p:nvPr/>
+        </p:nvSpPr>
+        <p:spPr>
+          <a:xfrm>
+            <a:off x="5280455" y="3303373"/>
+            <a:ext cx="650789" cy="650789"/>
+          </a:xfrm>
+          <a:prstGeom prst="rect">
+            <a:avLst/>
+          </a:prstGeom>
+        </p:spPr>
+        <p:style>
+          <a:lnRef idx="2">
+            <a:schemeClr val="accent1">
+              <a:shade val="50000"/>
+            </a:schemeClr>
+          </a:lnRef>
+          <a:fillRef idx="1">
+            <a:schemeClr val="accent1"/>
+          </a:fillRef>
+          <a:effectRef idx="0">
+            <a:schemeClr val="accent1"/>
+          </a:effectRef>
+          <a:fontRef idx="minor">
+            <a:schemeClr val="lt1"/>
+          </a:fontRef>
+        </p:style>
+        <p:txBody>
+          <a:bodyPr rtlCol="0" anchor="ctr"/>
+          <a:lstStyle/>
+          <a:p>
+            <a:pPr algn="ctr"/>
+            <a:endParaRPr lang="zh-CN" altLang="en-US"/>
+          </a:p>
+        </p:txBody>
+      </p:sp>
+      <p:sp>
+        <p:nvSpPr>
+          <p:cNvPr id="8" name="矩形 7"/>
+          <p:cNvSpPr/>
+          <p:nvPr/>
+        </p:nvSpPr>
+        <p:spPr>
+          <a:xfrm>
+            <a:off x="5931244" y="3303373"/>
+            <a:ext cx="650789" cy="650789"/>
+          </a:xfrm>
+          <a:prstGeom prst="rect">
+            <a:avLst/>
+          </a:prstGeom>
+          <a:solidFill>
+            <a:schemeClr val="accent1">
+              <a:lumMod val="60000"/>
+              <a:lumOff val="40000"/>
+            </a:schemeClr>
+          </a:solidFill>
+        </p:spPr>
+        <p:style>
+          <a:lnRef idx="2">
+            <a:schemeClr val="accent1">
+              <a:shade val="50000"/>
+            </a:schemeClr>
+          </a:lnRef>
+          <a:fillRef idx="1">
+            <a:schemeClr val="accent1"/>
+          </a:fillRef>
+          <a:effectRef idx="0">
+            <a:schemeClr val="accent1"/>
+          </a:effectRef>
+          <a:fontRef idx="minor">
+            <a:schemeClr val="lt1"/>
+          </a:fontRef>
+        </p:style>
+        <p:txBody>
+          <a:bodyPr rtlCol="0" anchor="ctr"/>
+          <a:lstStyle/>
+          <a:p>
+            <a:pPr algn="ctr"/>
+            <a:endParaRPr lang="zh-CN" altLang="en-US"/>
+          </a:p>
+        </p:txBody>
+      </p:sp>
+      <p:sp>
+        <p:nvSpPr>
+          <p:cNvPr id="9" name="矩形 8"/>
+          <p:cNvSpPr/>
+          <p:nvPr/>
+        </p:nvSpPr>
+        <p:spPr>
+          <a:xfrm>
+            <a:off x="6582033" y="3303372"/>
+            <a:ext cx="650789" cy="650789"/>
+          </a:xfrm>
+          <a:prstGeom prst="rect">
+            <a:avLst/>
+          </a:prstGeom>
+        </p:spPr>
+        <p:style>
+          <a:lnRef idx="2">
+            <a:schemeClr val="accent1">
+              <a:shade val="50000"/>
+            </a:schemeClr>
+          </a:lnRef>
+          <a:fillRef idx="1">
+            <a:schemeClr val="accent1"/>
+          </a:fillRef>
+          <a:effectRef idx="0">
+            <a:schemeClr val="accent1"/>
+          </a:effectRef>
+          <a:fontRef idx="minor">
+            <a:schemeClr val="lt1"/>
+          </a:fontRef>
+        </p:style>
+        <p:txBody>
+          <a:bodyPr rtlCol="0" anchor="ctr"/>
+          <a:lstStyle/>
+          <a:p>
+            <a:pPr algn="ctr"/>
+            <a:endParaRPr lang="zh-CN" altLang="en-US"/>
+          </a:p>
+        </p:txBody>
+      </p:sp>
+      <p:sp>
+        <p:nvSpPr>
+          <p:cNvPr id="10" name="矩形 9"/>
+          <p:cNvSpPr/>
+          <p:nvPr/>
+        </p:nvSpPr>
+        <p:spPr>
+          <a:xfrm>
+            <a:off x="4629666" y="3303372"/>
+            <a:ext cx="650789" cy="650789"/>
+          </a:xfrm>
+          <a:prstGeom prst="rect">
+            <a:avLst/>
+          </a:prstGeom>
+          <a:solidFill>
+            <a:schemeClr val="accent2"/>
+          </a:solidFill>
+        </p:spPr>
+        <p:style>
+          <a:lnRef idx="2">
+            <a:schemeClr val="accent1">
+              <a:shade val="50000"/>
+            </a:schemeClr>
+          </a:lnRef>
+          <a:fillRef idx="1">
+            <a:schemeClr val="accent1"/>
+          </a:fillRef>
+          <a:effectRef idx="0">
+            <a:schemeClr val="accent1"/>
+          </a:effectRef>
+          <a:fontRef idx="minor">
+            <a:schemeClr val="lt1"/>
+          </a:fontRef>
+        </p:style>
+        <p:txBody>
+          <a:bodyPr rtlCol="0" anchor="ctr"/>
+          <a:lstStyle/>
+          <a:p>
+            <a:pPr algn="ctr"/>
+            <a:endParaRPr lang="zh-CN" altLang="en-US"/>
+          </a:p>
+        </p:txBody>
+      </p:sp>
+      <p:sp>
+        <p:nvSpPr>
+          <p:cNvPr id="11" name="矩形 10"/>
+          <p:cNvSpPr/>
+          <p:nvPr/>
+        </p:nvSpPr>
+        <p:spPr>
+          <a:xfrm>
+            <a:off x="7232822" y="3303372"/>
+            <a:ext cx="650789" cy="650789"/>
+          </a:xfrm>
+          <a:prstGeom prst="rect">
+            <a:avLst/>
+          </a:prstGeom>
+          <a:solidFill>
+            <a:schemeClr val="accent4"/>
+          </a:solidFill>
+        </p:spPr>
+        <p:style>
+          <a:lnRef idx="2">
+            <a:schemeClr val="accent1">
+              <a:shade val="50000"/>
+            </a:schemeClr>
+          </a:lnRef>
+          <a:fillRef idx="1">
+            <a:schemeClr val="accent1"/>
+          </a:fillRef>
+          <a:effectRef idx="0">
+            <a:schemeClr val="accent1"/>
+          </a:effectRef>
+          <a:fontRef idx="minor">
+            <a:schemeClr val="lt1"/>
+          </a:fontRef>
+        </p:style>
+        <p:txBody>
+          <a:bodyPr rtlCol="0" anchor="ctr"/>
+          <a:lstStyle/>
+          <a:p>
+            <a:pPr algn="ctr"/>
+            <a:endParaRPr lang="zh-CN" altLang="en-US"/>
+          </a:p>
+        </p:txBody>
+      </p:sp>
+      <p:sp>
+        <p:nvSpPr>
+          <p:cNvPr id="12" name="文本框 11"/>
+          <p:cNvSpPr txBox="1"/>
+          <p:nvPr/>
+        </p:nvSpPr>
+        <p:spPr>
+          <a:xfrm>
+            <a:off x="4798607" y="3444100"/>
+            <a:ext cx="311304" cy="369332"/>
+          </a:xfrm>
+          <a:prstGeom prst="rect">
+            <a:avLst/>
+          </a:prstGeom>
+          <a:noFill/>
+        </p:spPr>
+        <p:txBody>
+          <a:bodyPr wrap="none" rtlCol="0">
+            <a:spAutoFit/>
+          </a:bodyPr>
+          <a:lstStyle/>
+          <a:p>
+            <a:r>
+              <a:rPr lang="en-US" altLang="zh-CN" dirty="0" smtClean="0"/>
+              <a:t>S</a:t>
+            </a:r>
+          </a:p>
+        </p:txBody>
+      </p:sp>
+      <p:sp>
+        <p:nvSpPr>
+          <p:cNvPr id="13" name="文本框 12"/>
+          <p:cNvSpPr txBox="1"/>
+          <p:nvPr/>
+        </p:nvSpPr>
+        <p:spPr>
+          <a:xfrm>
+            <a:off x="7401763" y="3444100"/>
+            <a:ext cx="312906" cy="369332"/>
+          </a:xfrm>
+          <a:prstGeom prst="rect">
+            <a:avLst/>
+          </a:prstGeom>
+          <a:noFill/>
+        </p:spPr>
+        <p:txBody>
+          <a:bodyPr wrap="none" rtlCol="0">
+            <a:spAutoFit/>
+          </a:bodyPr>
+          <a:lstStyle/>
+          <a:p>
+            <a:r>
+              <a:rPr lang="en-US" altLang="zh-CN" dirty="0" smtClean="0"/>
+              <a:t>T</a:t>
+            </a:r>
+          </a:p>
+        </p:txBody>
+      </p:sp>
+    </p:spTree>
+    <p:extLst>
+      <p:ext uri="{BB962C8B-B14F-4D97-AF65-F5344CB8AC3E}">
+        <p14:creationId xmlns:p14="http://schemas.microsoft.com/office/powerpoint/2010/main" val="2505222665"/>
+      </p:ext>
+    </p:extLst>
+  </p:cSld>
+  <p:clrMapOvr>
+    <a:masterClrMapping/>
+  </p:clrMapOvr>
+  <p:timing>
+    <p:tnLst>
+      <p:par>
+        <p:cTn id="1" dur="indefinite" restart="never" nodeType="tmRoot"/>
+      </p:par>
+    </p:tnLst>
+  </p:timing>
+</p:sld>
+</file>
+
+<file path=ppt/slides/slide5.xml><?xml version="1.0" encoding="utf-8"?>
+<p:sld xmlns:a="http://schemas.openxmlformats.org/drawingml/2006/main" xmlns:r="http://schemas.openxmlformats.org/officeDocument/2006/relationships" xmlns:p="http://schemas.openxmlformats.org/presentationml/2006/main">
+  <p:cSld>
+    <p:spTree>
+      <p:nvGrpSpPr>
+        <p:cNvPr id="1" name=""/>
+        <p:cNvGrpSpPr/>
+        <p:nvPr/>
+      </p:nvGrpSpPr>
+      <p:grpSpPr>
+        <a:xfrm>
+          <a:off x="0" y="0"/>
+          <a:ext cx="0" cy="0"/>
+          <a:chOff x="0" y="0"/>
+          <a:chExt cx="0" cy="0"/>
+        </a:xfrm>
+      </p:grpSpPr>
+      <p:sp>
+        <p:nvSpPr>
           <p:cNvPr id="32" name="标题 31"/>
           <p:cNvSpPr>
             <a:spLocks noGrp="1"/>
@@ -6803,12 +7114,12 @@
         </p:nvSpPr>
         <p:spPr>
           <a:xfrm>
-            <a:off x="1484310" y="889686"/>
-            <a:ext cx="10018713" cy="5700583"/>
+            <a:off x="1484310" y="1466335"/>
+            <a:ext cx="10018713" cy="5123934"/>
           </a:xfrm>
         </p:spPr>
         <p:txBody>
-          <a:bodyPr>
+          <a:bodyPr anchor="t">
             <a:normAutofit/>
           </a:bodyPr>
           <a:lstStyle/>
@@ -6834,7 +7145,104 @@
             </a:r>
             <a:r>
               <a:rPr lang="en-US" altLang="zh-CN" dirty="0"/>
-              <a:t>episodic case</a:t>
+              <a:t>episodic </a:t>
+            </a:r>
+            <a:r>
+              <a:rPr lang="en-US" altLang="zh-CN" dirty="0" smtClean="0"/>
+              <a:t>case, </a:t>
+            </a:r>
+            <a:r>
+              <a:rPr lang="zh-CN" altLang="en-US" dirty="0" smtClean="0"/>
+              <a:t>我们将评估定义为初始状态的</a:t>
+            </a:r>
+            <a:r>
+              <a:rPr lang="en-US" altLang="zh-CN" dirty="0" smtClean="0"/>
+              <a:t>value, </a:t>
+            </a:r>
+            <a:r>
+              <a:rPr lang="zh-CN" altLang="en-US" dirty="0" smtClean="0"/>
+              <a:t>因为初始状态的</a:t>
+            </a:r>
+            <a:r>
+              <a:rPr lang="en-US" altLang="zh-CN" dirty="0" smtClean="0"/>
+              <a:t>value</a:t>
+            </a:r>
+            <a:r>
+              <a:rPr lang="zh-CN" altLang="en-US" dirty="0" smtClean="0"/>
+              <a:t>等于我们对于总回报的期望值</a:t>
+            </a:r>
+            <a:r>
+              <a:rPr lang="en-US" altLang="zh-CN" dirty="0" smtClean="0"/>
+              <a:t>.</a:t>
+            </a:r>
+          </a:p>
+          <a:p>
+            <a:endParaRPr lang="en-US" altLang="zh-CN" dirty="0" smtClean="0"/>
+          </a:p>
+          <a:p>
+            <a:r>
+              <a:rPr lang="zh-CN" altLang="en-US" dirty="0" smtClean="0"/>
+              <a:t>回顾之前的内容</a:t>
+            </a:r>
+            <a:r>
+              <a:rPr lang="en-US" altLang="zh-CN" dirty="0" smtClean="0"/>
+              <a:t>, state-value</a:t>
+            </a:r>
+            <a:r>
+              <a:rPr lang="zh-CN" altLang="en-US" dirty="0" smtClean="0"/>
+              <a:t>可以通过</a:t>
+            </a:r>
+            <a:r>
+              <a:rPr lang="en-US" altLang="zh-CN" dirty="0" smtClean="0"/>
+              <a:t>q</a:t>
+            </a:r>
+            <a:r>
+              <a:rPr lang="zh-CN" altLang="en-US" dirty="0" smtClean="0"/>
+              <a:t>值来表示</a:t>
+            </a:r>
+            <a:r>
+              <a:rPr lang="en-US" altLang="zh-CN" dirty="0" smtClean="0"/>
+              <a:t>, </a:t>
+            </a:r>
+            <a:r>
+              <a:rPr lang="zh-CN" altLang="en-US" dirty="0" smtClean="0"/>
+              <a:t>即</a:t>
+            </a:r>
+            <a:r>
+              <a:rPr lang="en-US" altLang="zh-CN" dirty="0" smtClean="0"/>
+              <a:t>(</a:t>
+            </a:r>
+            <a:r>
+              <a:rPr lang="zh-CN" altLang="en-US" dirty="0" smtClean="0"/>
+              <a:t>书上有证明</a:t>
+            </a:r>
+            <a:r>
+              <a:rPr lang="en-US" altLang="zh-CN" dirty="0" smtClean="0"/>
+              <a:t>)</a:t>
+            </a:r>
+          </a:p>
+          <a:p>
+            <a:endParaRPr lang="en-US" altLang="zh-CN" dirty="0"/>
+          </a:p>
+          <a:p>
+            <a:endParaRPr lang="en-US" altLang="zh-CN" dirty="0"/>
+          </a:p>
+          <a:p>
+            <a:r>
+              <a:rPr lang="zh-CN" altLang="en-US" dirty="0"/>
+              <a:t>右侧的项表示 以 状态在</a:t>
+            </a:r>
+            <a:r>
+              <a:rPr lang="en-US" altLang="zh-CN" dirty="0"/>
+              <a:t>\pi</a:t>
+            </a:r>
+            <a:r>
+              <a:rPr lang="zh-CN" altLang="en-US" dirty="0"/>
+              <a:t>策略下出现频率和多少步到达这些状态 为权重的状态值的</a:t>
+            </a:r>
+            <a:r>
+              <a:rPr lang="zh-CN" altLang="en-US" dirty="0" smtClean="0"/>
+              <a:t>求和</a:t>
             </a:r>
             <a:endParaRPr lang="zh-CN" altLang="en-US" dirty="0"/>
           </a:p>
@@ -6856,7 +7264,7 @@
         </p:blipFill>
         <p:spPr>
           <a:xfrm>
-            <a:off x="5054299" y="3582814"/>
+            <a:off x="5054299" y="1539830"/>
             <a:ext cx="238125" cy="314325"/>
           </a:xfrm>
           <a:prstGeom prst="rect">
@@ -6880,7 +7288,7 @@
         </p:blipFill>
         <p:spPr>
           <a:xfrm>
-            <a:off x="1924693" y="4349578"/>
+            <a:off x="1924693" y="3962333"/>
             <a:ext cx="4981575" cy="762000"/>
           </a:xfrm>
           <a:prstGeom prst="rect">
@@ -6904,7 +7312,7 @@
         </p:blipFill>
         <p:spPr>
           <a:xfrm>
-            <a:off x="6493666" y="3649489"/>
+            <a:off x="1924693" y="2847684"/>
             <a:ext cx="1847850" cy="495300"/>
           </a:xfrm>
           <a:prstGeom prst="rect">
@@ -6932,7 +7340,423 @@
 </p:sld>
 </file>
 
-<file path=ppt/slides/slide5.xml><?xml version="1.0" encoding="utf-8"?>
+<file path=ppt/slides/slide6.xml><?xml version="1.0" encoding="utf-8"?>
+<p:sld xmlns:a="http://schemas.openxmlformats.org/drawingml/2006/main" xmlns:r="http://schemas.openxmlformats.org/officeDocument/2006/relationships" xmlns:p="http://schemas.openxmlformats.org/presentationml/2006/main">
+  <p:cSld>
+    <p:spTree>
+      <p:nvGrpSpPr>
+        <p:cNvPr id="1" name=""/>
+        <p:cNvGrpSpPr/>
+        <p:nvPr/>
+      </p:nvGrpSpPr>
+      <p:grpSpPr>
+        <a:xfrm>
+          <a:off x="0" y="0"/>
+          <a:ext cx="0" cy="0"/>
+          <a:chOff x="0" y="0"/>
+          <a:chExt cx="0" cy="0"/>
+        </a:xfrm>
+      </p:grpSpPr>
+      <p:sp>
+        <p:nvSpPr>
+          <p:cNvPr id="32" name="标题 31"/>
+          <p:cNvSpPr>
+            <a:spLocks noGrp="1"/>
+          </p:cNvSpPr>
+          <p:nvPr>
+            <p:ph type="title"/>
+          </p:nvPr>
+        </p:nvSpPr>
+        <p:spPr>
+          <a:xfrm>
+            <a:off x="1484309" y="192559"/>
+            <a:ext cx="10018714" cy="795984"/>
+          </a:xfrm>
+        </p:spPr>
+        <p:txBody>
+          <a:bodyPr/>
+          <a:lstStyle/>
+          <a:p>
+            <a:r>
+              <a:rPr lang="en-US" altLang="zh-CN" dirty="0"/>
+              <a:t>13.3 REINFORCE: Monte Carlo Policy Gradient</a:t>
+            </a:r>
+            <a:endParaRPr lang="zh-CN" altLang="en-US" dirty="0"/>
+          </a:p>
+        </p:txBody>
+      </p:sp>
+      <p:sp>
+        <p:nvSpPr>
+          <p:cNvPr id="33" name="内容占位符 32"/>
+          <p:cNvSpPr>
+            <a:spLocks noGrp="1"/>
+          </p:cNvSpPr>
+          <p:nvPr>
+            <p:ph idx="1"/>
+          </p:nvPr>
+        </p:nvSpPr>
+        <p:spPr>
+          <a:xfrm>
+            <a:off x="1484310" y="1466335"/>
+            <a:ext cx="10018713" cy="5123934"/>
+          </a:xfrm>
+        </p:spPr>
+        <p:txBody>
+          <a:bodyPr anchor="t">
+            <a:normAutofit/>
+          </a:bodyPr>
+          <a:lstStyle/>
+          <a:p>
+            <a:r>
+              <a:rPr lang="zh-CN" altLang="en-US" dirty="0" smtClean="0"/>
+              <a:t>根据前面的式子可以化解为</a:t>
+            </a:r>
+            <a:endParaRPr lang="en-US" altLang="zh-CN" dirty="0" smtClean="0"/>
+          </a:p>
+          <a:p>
+            <a:endParaRPr lang="en-US" altLang="zh-CN" dirty="0"/>
+          </a:p>
+          <a:p>
+            <a:endParaRPr lang="en-US" altLang="zh-CN" dirty="0" smtClean="0"/>
+          </a:p>
+          <a:p>
+            <a:endParaRPr lang="en-US" altLang="zh-CN" dirty="0"/>
+          </a:p>
+          <a:p>
+            <a:endParaRPr lang="en-US" altLang="zh-CN" dirty="0" smtClean="0"/>
+          </a:p>
+          <a:p>
+            <a:r>
+              <a:rPr lang="zh-CN" altLang="en-US" dirty="0" smtClean="0"/>
+              <a:t>从而参数的更新公式为</a:t>
+            </a:r>
+            <a:endParaRPr lang="en-US" altLang="zh-CN" dirty="0" smtClean="0"/>
+          </a:p>
+        </p:txBody>
+      </p:sp>
+      <p:pic>
+        <p:nvPicPr>
+          <p:cNvPr id="2" name="图片 1"/>
+          <p:cNvPicPr>
+            <a:picLocks noChangeAspect="1"/>
+          </p:cNvPicPr>
+          <p:nvPr/>
+        </p:nvPicPr>
+        <p:blipFill>
+          <a:blip r:embed="rId2"/>
+          <a:stretch>
+            <a:fillRect/>
+          </a:stretch>
+        </p:blipFill>
+        <p:spPr>
+          <a:xfrm>
+            <a:off x="1826884" y="1909559"/>
+            <a:ext cx="7927235" cy="2003414"/>
+          </a:xfrm>
+          <a:prstGeom prst="rect">
+            <a:avLst/>
+          </a:prstGeom>
+        </p:spPr>
+      </p:pic>
+      <p:pic>
+        <p:nvPicPr>
+          <p:cNvPr id="3" name="图片 2"/>
+          <p:cNvPicPr>
+            <a:picLocks noChangeAspect="1"/>
+          </p:cNvPicPr>
+          <p:nvPr/>
+        </p:nvPicPr>
+        <p:blipFill>
+          <a:blip r:embed="rId3"/>
+          <a:stretch>
+            <a:fillRect/>
+          </a:stretch>
+        </p:blipFill>
+        <p:spPr>
+          <a:xfrm>
+            <a:off x="1826884" y="4526844"/>
+            <a:ext cx="3350605" cy="637470"/>
+          </a:xfrm>
+          <a:prstGeom prst="rect">
+            <a:avLst/>
+          </a:prstGeom>
+        </p:spPr>
+      </p:pic>
+    </p:spTree>
+    <p:extLst>
+      <p:ext uri="{BB962C8B-B14F-4D97-AF65-F5344CB8AC3E}">
+        <p14:creationId xmlns:p14="http://schemas.microsoft.com/office/powerpoint/2010/main" val="3801324311"/>
+      </p:ext>
+    </p:extLst>
+  </p:cSld>
+  <p:clrMapOvr>
+    <a:masterClrMapping/>
+  </p:clrMapOvr>
+  <p:timing>
+    <p:tnLst>
+      <p:par>
+        <p:cTn id="1" dur="indefinite" restart="never" nodeType="tmRoot"/>
+      </p:par>
+    </p:tnLst>
+  </p:timing>
+</p:sld>
+</file>
+
+<file path=ppt/slides/slide7.xml><?xml version="1.0" encoding="utf-8"?>
+<p:sld xmlns:a="http://schemas.openxmlformats.org/drawingml/2006/main" xmlns:r="http://schemas.openxmlformats.org/officeDocument/2006/relationships" xmlns:p="http://schemas.openxmlformats.org/presentationml/2006/main">
+  <p:cSld>
+    <p:spTree>
+      <p:nvGrpSpPr>
+        <p:cNvPr id="1" name=""/>
+        <p:cNvGrpSpPr/>
+        <p:nvPr/>
+      </p:nvGrpSpPr>
+      <p:grpSpPr>
+        <a:xfrm>
+          <a:off x="0" y="0"/>
+          <a:ext cx="0" cy="0"/>
+          <a:chOff x="0" y="0"/>
+          <a:chExt cx="0" cy="0"/>
+        </a:xfrm>
+      </p:grpSpPr>
+      <p:sp>
+        <p:nvSpPr>
+          <p:cNvPr id="32" name="标题 31"/>
+          <p:cNvSpPr>
+            <a:spLocks noGrp="1"/>
+          </p:cNvSpPr>
+          <p:nvPr>
+            <p:ph type="title"/>
+          </p:nvPr>
+        </p:nvSpPr>
+        <p:spPr>
+          <a:xfrm>
+            <a:off x="1484309" y="192559"/>
+            <a:ext cx="10018714" cy="795984"/>
+          </a:xfrm>
+        </p:spPr>
+        <p:txBody>
+          <a:bodyPr/>
+          <a:lstStyle/>
+          <a:p>
+            <a:r>
+              <a:rPr lang="en-US" altLang="zh-CN" dirty="0"/>
+              <a:t>13.3 REINFORCE: Monte Carlo Policy Gradient</a:t>
+            </a:r>
+            <a:endParaRPr lang="zh-CN" altLang="en-US" dirty="0"/>
+          </a:p>
+        </p:txBody>
+      </p:sp>
+      <p:sp>
+        <p:nvSpPr>
+          <p:cNvPr id="33" name="内容占位符 32"/>
+          <p:cNvSpPr>
+            <a:spLocks noGrp="1"/>
+          </p:cNvSpPr>
+          <p:nvPr>
+            <p:ph idx="1"/>
+          </p:nvPr>
+        </p:nvSpPr>
+        <p:spPr>
+          <a:xfrm>
+            <a:off x="1484310" y="1466335"/>
+            <a:ext cx="10018713" cy="5123934"/>
+          </a:xfrm>
+        </p:spPr>
+        <p:txBody>
+          <a:bodyPr anchor="t">
+            <a:normAutofit/>
+          </a:bodyPr>
+          <a:lstStyle/>
+          <a:p>
+            <a:r>
+              <a:rPr lang="zh-CN" altLang="en-US" dirty="0" smtClean="0"/>
+              <a:t>伪代码</a:t>
+            </a:r>
+            <a:endParaRPr lang="en-US" altLang="zh-CN" dirty="0" smtClean="0"/>
+          </a:p>
+        </p:txBody>
+      </p:sp>
+      <p:pic>
+        <p:nvPicPr>
+          <p:cNvPr id="7" name="图片 6"/>
+          <p:cNvPicPr>
+            <a:picLocks noChangeAspect="1"/>
+          </p:cNvPicPr>
+          <p:nvPr/>
+        </p:nvPicPr>
+        <p:blipFill>
+          <a:blip r:embed="rId2"/>
+          <a:stretch>
+            <a:fillRect/>
+          </a:stretch>
+        </p:blipFill>
+        <p:spPr>
+          <a:xfrm>
+            <a:off x="1857302" y="1958987"/>
+            <a:ext cx="7157183" cy="2336491"/>
+          </a:xfrm>
+          <a:prstGeom prst="rect">
+            <a:avLst/>
+          </a:prstGeom>
+        </p:spPr>
+      </p:pic>
+    </p:spTree>
+    <p:extLst>
+      <p:ext uri="{BB962C8B-B14F-4D97-AF65-F5344CB8AC3E}">
+        <p14:creationId xmlns:p14="http://schemas.microsoft.com/office/powerpoint/2010/main" val="2991374483"/>
+      </p:ext>
+    </p:extLst>
+  </p:cSld>
+  <p:clrMapOvr>
+    <a:masterClrMapping/>
+  </p:clrMapOvr>
+  <p:timing>
+    <p:tnLst>
+      <p:par>
+        <p:cTn id="1" dur="indefinite" restart="never" nodeType="tmRoot"/>
+      </p:par>
+    </p:tnLst>
+  </p:timing>
+</p:sld>
+</file>
+
+<file path=ppt/slides/slide8.xml><?xml version="1.0" encoding="utf-8"?>
+<p:sld xmlns:a="http://schemas.openxmlformats.org/drawingml/2006/main" xmlns:r="http://schemas.openxmlformats.org/officeDocument/2006/relationships" xmlns:p="http://schemas.openxmlformats.org/presentationml/2006/main">
+  <p:cSld>
+    <p:spTree>
+      <p:nvGrpSpPr>
+        <p:cNvPr id="1" name=""/>
+        <p:cNvGrpSpPr/>
+        <p:nvPr/>
+      </p:nvGrpSpPr>
+      <p:grpSpPr>
+        <a:xfrm>
+          <a:off x="0" y="0"/>
+          <a:ext cx="0" cy="0"/>
+          <a:chOff x="0" y="0"/>
+          <a:chExt cx="0" cy="0"/>
+        </a:xfrm>
+      </p:grpSpPr>
+      <p:sp>
+        <p:nvSpPr>
+          <p:cNvPr id="32" name="标题 31"/>
+          <p:cNvSpPr>
+            <a:spLocks noGrp="1"/>
+          </p:cNvSpPr>
+          <p:nvPr>
+            <p:ph type="title"/>
+          </p:nvPr>
+        </p:nvSpPr>
+        <p:spPr>
+          <a:xfrm>
+            <a:off x="1484309" y="192559"/>
+            <a:ext cx="10018714" cy="795984"/>
+          </a:xfrm>
+        </p:spPr>
+        <p:txBody>
+          <a:bodyPr/>
+          <a:lstStyle/>
+          <a:p>
+            <a:r>
+              <a:rPr lang="en-US" altLang="zh-CN" dirty="0"/>
+              <a:t>13.4 REINFORCE with Baseline</a:t>
+            </a:r>
+            <a:endParaRPr lang="zh-CN" altLang="en-US" dirty="0"/>
+          </a:p>
+        </p:txBody>
+      </p:sp>
+      <p:sp>
+        <p:nvSpPr>
+          <p:cNvPr id="33" name="内容占位符 32"/>
+          <p:cNvSpPr>
+            <a:spLocks noGrp="1"/>
+          </p:cNvSpPr>
+          <p:nvPr>
+            <p:ph idx="1"/>
+          </p:nvPr>
+        </p:nvSpPr>
+        <p:spPr>
+          <a:xfrm>
+            <a:off x="1484310" y="1466335"/>
+            <a:ext cx="10018713" cy="5123934"/>
+          </a:xfrm>
+        </p:spPr>
+        <p:txBody>
+          <a:bodyPr anchor="t">
+            <a:normAutofit/>
+          </a:bodyPr>
+          <a:lstStyle/>
+          <a:p>
+            <a:r>
+              <a:rPr lang="zh-CN" altLang="en-US" dirty="0" smtClean="0"/>
+              <a:t>在</a:t>
+            </a:r>
+            <a:r>
+              <a:rPr lang="en-US" altLang="zh-CN" dirty="0" smtClean="0"/>
+              <a:t>q</a:t>
+            </a:r>
+            <a:r>
+              <a:rPr lang="zh-CN" altLang="en-US" dirty="0" smtClean="0"/>
+              <a:t>值中可以加入基线</a:t>
+            </a:r>
+            <a:r>
+              <a:rPr lang="en-US" altLang="zh-CN" dirty="0" smtClean="0"/>
+              <a:t>, </a:t>
+            </a:r>
+            <a:r>
+              <a:rPr lang="zh-CN" altLang="en-US" dirty="0" smtClean="0"/>
+              <a:t>因为基线不会影响到行为的选择</a:t>
+            </a:r>
+            <a:endParaRPr lang="en-US" altLang="zh-CN" dirty="0" smtClean="0"/>
+          </a:p>
+        </p:txBody>
+      </p:sp>
+      <p:pic>
+        <p:nvPicPr>
+          <p:cNvPr id="2" name="图片 1"/>
+          <p:cNvPicPr>
+            <a:picLocks noChangeAspect="1"/>
+          </p:cNvPicPr>
+          <p:nvPr/>
+        </p:nvPicPr>
+        <p:blipFill>
+          <a:blip r:embed="rId2"/>
+          <a:stretch>
+            <a:fillRect/>
+          </a:stretch>
+        </p:blipFill>
+        <p:spPr>
+          <a:xfrm>
+            <a:off x="1817086" y="2048647"/>
+            <a:ext cx="6086475" cy="800100"/>
+          </a:xfrm>
+          <a:prstGeom prst="rect">
+            <a:avLst/>
+          </a:prstGeom>
+        </p:spPr>
+      </p:pic>
+    </p:spTree>
+    <p:extLst>
+      <p:ext uri="{BB962C8B-B14F-4D97-AF65-F5344CB8AC3E}">
+        <p14:creationId xmlns:p14="http://schemas.microsoft.com/office/powerpoint/2010/main" val="2559228953"/>
+      </p:ext>
+    </p:extLst>
+  </p:cSld>
+  <p:clrMapOvr>
+    <a:masterClrMapping/>
+  </p:clrMapOvr>
+  <p:timing>
+    <p:tnLst>
+      <p:par>
+        <p:cTn id="1" dur="indefinite" restart="never" nodeType="tmRoot"/>
+      </p:par>
+    </p:tnLst>
+  </p:timing>
+</p:sld>
+</file>
+
+<file path=ppt/slides/slide9.xml><?xml version="1.0" encoding="utf-8"?>
 <p:sld xmlns:a="http://schemas.openxmlformats.org/drawingml/2006/main" xmlns:r="http://schemas.openxmlformats.org/officeDocument/2006/relationships" xmlns:p="http://schemas.openxmlformats.org/presentationml/2006/main">
   <p:cSld>
     <p:spTree>

--- a/Chapter 13.pptx
+++ b/Chapter 13.pptx
@@ -13,7 +13,12 @@
     <p:sldId id="262" r:id="rId7"/>
     <p:sldId id="263" r:id="rId8"/>
     <p:sldId id="264" r:id="rId9"/>
-    <p:sldId id="258" r:id="rId10"/>
+    <p:sldId id="265" r:id="rId10"/>
+    <p:sldId id="267" r:id="rId11"/>
+    <p:sldId id="268" r:id="rId12"/>
+    <p:sldId id="269" r:id="rId13"/>
+    <p:sldId id="270" r:id="rId14"/>
+    <p:sldId id="258" r:id="rId15"/>
   </p:sldIdLst>
   <p:sldSz cx="12192000" cy="6858000"/>
   <p:notesSz cx="6858000" cy="9144000"/>
@@ -623,7 +628,7 @@
             <a:fld id="{B61BEF0D-F0BB-DE4B-95CE-6DB70DBA9567}" type="datetimeFigureOut">
               <a:rPr lang="en-US" dirty="0"/>
               <a:pPr/>
-              <a:t>6/6/2017</a:t>
+              <a:t>6/7/2017</a:t>
             </a:fld>
             <a:endParaRPr lang="en-US" dirty="0"/>
           </a:p>
@@ -916,7 +921,7 @@
             <a:fld id="{B61BEF0D-F0BB-DE4B-95CE-6DB70DBA9567}" type="datetimeFigureOut">
               <a:rPr lang="en-US" dirty="0"/>
               <a:pPr/>
-              <a:t>6/6/2017</a:t>
+              <a:t>6/7/2017</a:t>
             </a:fld>
             <a:endParaRPr lang="en-US" dirty="0"/>
           </a:p>
@@ -1161,7 +1166,7 @@
             <a:fld id="{B61BEF0D-F0BB-DE4B-95CE-6DB70DBA9567}" type="datetimeFigureOut">
               <a:rPr lang="en-US" dirty="0"/>
               <a:pPr/>
-              <a:t>6/6/2017</a:t>
+              <a:t>6/7/2017</a:t>
             </a:fld>
             <a:endParaRPr lang="en-US" dirty="0"/>
           </a:p>
@@ -1698,7 +1703,7 @@
             <a:fld id="{B61BEF0D-F0BB-DE4B-95CE-6DB70DBA9567}" type="datetimeFigureOut">
               <a:rPr lang="en-US" dirty="0"/>
               <a:pPr/>
-              <a:t>6/6/2017</a:t>
+              <a:t>6/7/2017</a:t>
             </a:fld>
             <a:endParaRPr lang="en-US" dirty="0"/>
           </a:p>
@@ -1943,7 +1948,7 @@
             <a:fld id="{B61BEF0D-F0BB-DE4B-95CE-6DB70DBA9567}" type="datetimeFigureOut">
               <a:rPr lang="en-US" dirty="0"/>
               <a:pPr/>
-              <a:t>6/6/2017</a:t>
+              <a:t>6/7/2017</a:t>
             </a:fld>
             <a:endParaRPr lang="en-US" dirty="0"/>
           </a:p>
@@ -2472,7 +2477,7 @@
             <a:fld id="{B61BEF0D-F0BB-DE4B-95CE-6DB70DBA9567}" type="datetimeFigureOut">
               <a:rPr lang="en-US" dirty="0"/>
               <a:pPr/>
-              <a:t>6/6/2017</a:t>
+              <a:t>6/7/2017</a:t>
             </a:fld>
             <a:endParaRPr lang="en-US" dirty="0"/>
           </a:p>
@@ -2766,7 +2771,7 @@
             <a:fld id="{B61BEF0D-F0BB-DE4B-95CE-6DB70DBA9567}" type="datetimeFigureOut">
               <a:rPr lang="en-US" dirty="0"/>
               <a:pPr/>
-              <a:t>6/6/2017</a:t>
+              <a:t>6/7/2017</a:t>
             </a:fld>
             <a:endParaRPr lang="en-US" dirty="0"/>
           </a:p>
@@ -2937,7 +2942,7 @@
             <a:fld id="{B61BEF0D-F0BB-DE4B-95CE-6DB70DBA9567}" type="datetimeFigureOut">
               <a:rPr lang="en-US" dirty="0"/>
               <a:pPr/>
-              <a:t>6/6/2017</a:t>
+              <a:t>6/7/2017</a:t>
             </a:fld>
             <a:endParaRPr lang="en-US" dirty="0"/>
           </a:p>
@@ -3114,7 +3119,7 @@
             <a:fld id="{B61BEF0D-F0BB-DE4B-95CE-6DB70DBA9567}" type="datetimeFigureOut">
               <a:rPr lang="en-US" dirty="0"/>
               <a:pPr/>
-              <a:t>6/6/2017</a:t>
+              <a:t>6/7/2017</a:t>
             </a:fld>
             <a:endParaRPr lang="en-US" dirty="0"/>
           </a:p>
@@ -3281,7 +3286,7 @@
             <a:fld id="{B61BEF0D-F0BB-DE4B-95CE-6DB70DBA9567}" type="datetimeFigureOut">
               <a:rPr lang="en-US" dirty="0"/>
               <a:pPr/>
-              <a:t>6/6/2017</a:t>
+              <a:t>6/7/2017</a:t>
             </a:fld>
             <a:endParaRPr lang="en-US" dirty="0"/>
           </a:p>
@@ -3529,7 +3534,7 @@
             <a:fld id="{B61BEF0D-F0BB-DE4B-95CE-6DB70DBA9567}" type="datetimeFigureOut">
               <a:rPr lang="en-US" dirty="0"/>
               <a:pPr/>
-              <a:t>6/6/2017</a:t>
+              <a:t>6/7/2017</a:t>
             </a:fld>
             <a:endParaRPr lang="en-US" dirty="0"/>
           </a:p>
@@ -3823,7 +3828,7 @@
             <a:fld id="{B61BEF0D-F0BB-DE4B-95CE-6DB70DBA9567}" type="datetimeFigureOut">
               <a:rPr lang="en-US" dirty="0"/>
               <a:pPr/>
-              <a:t>6/6/2017</a:t>
+              <a:t>6/7/2017</a:t>
             </a:fld>
             <a:endParaRPr lang="en-US" dirty="0"/>
           </a:p>
@@ -4262,7 +4267,7 @@
             <a:fld id="{B61BEF0D-F0BB-DE4B-95CE-6DB70DBA9567}" type="datetimeFigureOut">
               <a:rPr lang="en-US" dirty="0"/>
               <a:pPr/>
-              <a:t>6/6/2017</a:t>
+              <a:t>6/7/2017</a:t>
             </a:fld>
             <a:endParaRPr lang="en-US" dirty="0"/>
           </a:p>
@@ -4377,7 +4382,7 @@
             <a:fld id="{B61BEF0D-F0BB-DE4B-95CE-6DB70DBA9567}" type="datetimeFigureOut">
               <a:rPr lang="en-US" dirty="0"/>
               <a:pPr/>
-              <a:t>6/6/2017</a:t>
+              <a:t>6/7/2017</a:t>
             </a:fld>
             <a:endParaRPr lang="en-US" dirty="0"/>
           </a:p>
@@ -4469,7 +4474,7 @@
             <a:fld id="{B61BEF0D-F0BB-DE4B-95CE-6DB70DBA9567}" type="datetimeFigureOut">
               <a:rPr lang="en-US" dirty="0"/>
               <a:pPr/>
-              <a:t>6/6/2017</a:t>
+              <a:t>6/7/2017</a:t>
             </a:fld>
             <a:endParaRPr lang="en-US" dirty="0"/>
           </a:p>
@@ -4749,7 +4754,7 @@
             <a:fld id="{B61BEF0D-F0BB-DE4B-95CE-6DB70DBA9567}" type="datetimeFigureOut">
               <a:rPr lang="en-US" dirty="0"/>
               <a:pPr/>
-              <a:t>6/6/2017</a:t>
+              <a:t>6/7/2017</a:t>
             </a:fld>
             <a:endParaRPr lang="en-US" dirty="0"/>
           </a:p>
@@ -5037,7 +5042,7 @@
             <a:fld id="{B61BEF0D-F0BB-DE4B-95CE-6DB70DBA9567}" type="datetimeFigureOut">
               <a:rPr lang="en-US" dirty="0"/>
               <a:pPr/>
-              <a:t>6/6/2017</a:t>
+              <a:t>6/7/2017</a:t>
             </a:fld>
             <a:endParaRPr lang="en-US" dirty="0"/>
           </a:p>
@@ -5564,7 +5569,7 @@
             <a:fld id="{B61BEF0D-F0BB-DE4B-95CE-6DB70DBA9567}" type="datetimeFigureOut">
               <a:rPr lang="en-US" dirty="0"/>
               <a:pPr/>
-              <a:t>6/6/2017</a:t>
+              <a:t>6/7/2017</a:t>
             </a:fld>
             <a:endParaRPr lang="en-US" dirty="0"/>
           </a:p>
@@ -6146,6 +6151,732 @@
 </p:sld>
 </file>
 
+<file path=ppt/slides/slide10.xml><?xml version="1.0" encoding="utf-8"?>
+<p:sld xmlns:a="http://schemas.openxmlformats.org/drawingml/2006/main" xmlns:r="http://schemas.openxmlformats.org/officeDocument/2006/relationships" xmlns:p="http://schemas.openxmlformats.org/presentationml/2006/main">
+  <p:cSld>
+    <p:spTree>
+      <p:nvGrpSpPr>
+        <p:cNvPr id="1" name=""/>
+        <p:cNvGrpSpPr/>
+        <p:nvPr/>
+      </p:nvGrpSpPr>
+      <p:grpSpPr>
+        <a:xfrm>
+          <a:off x="0" y="0"/>
+          <a:ext cx="0" cy="0"/>
+          <a:chOff x="0" y="0"/>
+          <a:chExt cx="0" cy="0"/>
+        </a:xfrm>
+      </p:grpSpPr>
+      <p:sp>
+        <p:nvSpPr>
+          <p:cNvPr id="32" name="标题 31"/>
+          <p:cNvSpPr>
+            <a:spLocks noGrp="1"/>
+          </p:cNvSpPr>
+          <p:nvPr>
+            <p:ph type="title"/>
+          </p:nvPr>
+        </p:nvSpPr>
+        <p:spPr>
+          <a:xfrm>
+            <a:off x="1484309" y="192559"/>
+            <a:ext cx="10018714" cy="795984"/>
+          </a:xfrm>
+        </p:spPr>
+        <p:txBody>
+          <a:bodyPr/>
+          <a:lstStyle/>
+          <a:p>
+            <a:r>
+              <a:rPr lang="en-US" altLang="zh-CN" dirty="0"/>
+              <a:t>13.5 Actor-Critic Methods</a:t>
+            </a:r>
+            <a:endParaRPr lang="zh-CN" altLang="en-US" dirty="0"/>
+          </a:p>
+        </p:txBody>
+      </p:sp>
+      <p:sp>
+        <p:nvSpPr>
+          <p:cNvPr id="33" name="内容占位符 32"/>
+          <p:cNvSpPr>
+            <a:spLocks noGrp="1"/>
+          </p:cNvSpPr>
+          <p:nvPr>
+            <p:ph idx="1"/>
+          </p:nvPr>
+        </p:nvSpPr>
+        <p:spPr>
+          <a:xfrm>
+            <a:off x="1484310" y="1466335"/>
+            <a:ext cx="10018713" cy="5123934"/>
+          </a:xfrm>
+        </p:spPr>
+        <p:txBody>
+          <a:bodyPr anchor="t">
+            <a:normAutofit/>
+          </a:bodyPr>
+          <a:lstStyle/>
+          <a:p>
+            <a:r>
+              <a:rPr lang="zh-CN" altLang="en-US" dirty="0" smtClean="0"/>
+              <a:t>基线的方法虽然使用了</a:t>
+            </a:r>
+            <a:r>
+              <a:rPr lang="en-US" altLang="zh-CN" dirty="0" smtClean="0"/>
+              <a:t>state-value, </a:t>
+            </a:r>
+            <a:r>
+              <a:rPr lang="zh-CN" altLang="en-US" dirty="0" smtClean="0"/>
+              <a:t>但这不算是</a:t>
+            </a:r>
+            <a:r>
+              <a:rPr lang="en-US" altLang="zh-CN" dirty="0" smtClean="0"/>
+              <a:t>AC</a:t>
+            </a:r>
+            <a:r>
+              <a:rPr lang="zh-CN" altLang="en-US" dirty="0" smtClean="0"/>
+              <a:t>方法</a:t>
+            </a:r>
+            <a:r>
+              <a:rPr lang="en-US" altLang="zh-CN" dirty="0" smtClean="0"/>
+              <a:t>, </a:t>
+            </a:r>
+            <a:r>
+              <a:rPr lang="zh-CN" altLang="en-US" dirty="0" smtClean="0"/>
+              <a:t>因为没有用到</a:t>
+            </a:r>
+            <a:r>
+              <a:rPr lang="en-US" altLang="zh-CN" dirty="0" smtClean="0"/>
+              <a:t>bootstrap</a:t>
+            </a:r>
+          </a:p>
+          <a:p>
+            <a:r>
+              <a:rPr lang="zh-CN" altLang="en-US" dirty="0" smtClean="0"/>
+              <a:t>前面介绍的方法训练缓慢</a:t>
+            </a:r>
+            <a:r>
+              <a:rPr lang="en-US" altLang="zh-CN" dirty="0" smtClean="0"/>
+              <a:t>, </a:t>
+            </a:r>
+            <a:r>
+              <a:rPr lang="zh-CN" altLang="en-US" dirty="0" smtClean="0"/>
+              <a:t>而且也不能适用于在线训练或者连续问题</a:t>
+            </a:r>
+            <a:endParaRPr lang="en-US" altLang="zh-CN" dirty="0" smtClean="0"/>
+          </a:p>
+          <a:p>
+            <a:r>
+              <a:rPr lang="zh-CN" altLang="en-US" dirty="0" smtClean="0"/>
+              <a:t>我们可以将其转换成</a:t>
+            </a:r>
+            <a:r>
+              <a:rPr lang="en-US" altLang="zh-CN" dirty="0" smtClean="0"/>
+              <a:t>TD</a:t>
+            </a:r>
+            <a:r>
+              <a:rPr lang="zh-CN" altLang="en-US" dirty="0" smtClean="0"/>
+              <a:t>方法</a:t>
+            </a:r>
+            <a:r>
+              <a:rPr lang="en-US" altLang="zh-CN" dirty="0" smtClean="0"/>
+              <a:t>, </a:t>
+            </a:r>
+            <a:r>
+              <a:rPr lang="zh-CN" altLang="en-US" dirty="0" smtClean="0"/>
+              <a:t>得到一步</a:t>
+            </a:r>
+            <a:r>
+              <a:rPr lang="en-US" altLang="zh-CN" dirty="0" smtClean="0"/>
+              <a:t>AC</a:t>
+            </a:r>
+            <a:endParaRPr lang="en-US" altLang="zh-CN" dirty="0" smtClean="0"/>
+          </a:p>
+        </p:txBody>
+      </p:sp>
+      <p:pic>
+        <p:nvPicPr>
+          <p:cNvPr id="3" name="图片 2"/>
+          <p:cNvPicPr>
+            <a:picLocks noChangeAspect="1"/>
+          </p:cNvPicPr>
+          <p:nvPr/>
+        </p:nvPicPr>
+        <p:blipFill>
+          <a:blip r:embed="rId2"/>
+          <a:stretch>
+            <a:fillRect/>
+          </a:stretch>
+        </p:blipFill>
+        <p:spPr>
+          <a:xfrm>
+            <a:off x="1916455" y="4028302"/>
+            <a:ext cx="7419975" cy="1743075"/>
+          </a:xfrm>
+          <a:prstGeom prst="rect">
+            <a:avLst/>
+          </a:prstGeom>
+        </p:spPr>
+      </p:pic>
+    </p:spTree>
+    <p:extLst>
+      <p:ext uri="{BB962C8B-B14F-4D97-AF65-F5344CB8AC3E}">
+        <p14:creationId xmlns:p14="http://schemas.microsoft.com/office/powerpoint/2010/main" val="2881891960"/>
+      </p:ext>
+    </p:extLst>
+  </p:cSld>
+  <p:clrMapOvr>
+    <a:masterClrMapping/>
+  </p:clrMapOvr>
+  <p:timing>
+    <p:tnLst>
+      <p:par>
+        <p:cTn id="1" dur="indefinite" restart="never" nodeType="tmRoot"/>
+      </p:par>
+    </p:tnLst>
+  </p:timing>
+</p:sld>
+</file>
+
+<file path=ppt/slides/slide11.xml><?xml version="1.0" encoding="utf-8"?>
+<p:sld xmlns:a="http://schemas.openxmlformats.org/drawingml/2006/main" xmlns:r="http://schemas.openxmlformats.org/officeDocument/2006/relationships" xmlns:p="http://schemas.openxmlformats.org/presentationml/2006/main">
+  <p:cSld>
+    <p:spTree>
+      <p:nvGrpSpPr>
+        <p:cNvPr id="1" name=""/>
+        <p:cNvGrpSpPr/>
+        <p:nvPr/>
+      </p:nvGrpSpPr>
+      <p:grpSpPr>
+        <a:xfrm>
+          <a:off x="0" y="0"/>
+          <a:ext cx="0" cy="0"/>
+          <a:chOff x="0" y="0"/>
+          <a:chExt cx="0" cy="0"/>
+        </a:xfrm>
+      </p:grpSpPr>
+      <p:sp>
+        <p:nvSpPr>
+          <p:cNvPr id="32" name="标题 31"/>
+          <p:cNvSpPr>
+            <a:spLocks noGrp="1"/>
+          </p:cNvSpPr>
+          <p:nvPr>
+            <p:ph type="title"/>
+          </p:nvPr>
+        </p:nvSpPr>
+        <p:spPr>
+          <a:xfrm>
+            <a:off x="1484309" y="192559"/>
+            <a:ext cx="10018714" cy="795984"/>
+          </a:xfrm>
+        </p:spPr>
+        <p:txBody>
+          <a:bodyPr/>
+          <a:lstStyle/>
+          <a:p>
+            <a:r>
+              <a:rPr lang="en-US" altLang="zh-CN" dirty="0"/>
+              <a:t>13.5 Actor-Critic Methods</a:t>
+            </a:r>
+            <a:endParaRPr lang="zh-CN" altLang="en-US" dirty="0"/>
+          </a:p>
+        </p:txBody>
+      </p:sp>
+      <p:sp>
+        <p:nvSpPr>
+          <p:cNvPr id="33" name="内容占位符 32"/>
+          <p:cNvSpPr>
+            <a:spLocks noGrp="1"/>
+          </p:cNvSpPr>
+          <p:nvPr>
+            <p:ph idx="1"/>
+          </p:nvPr>
+        </p:nvSpPr>
+        <p:spPr>
+          <a:xfrm>
+            <a:off x="1484310" y="1466335"/>
+            <a:ext cx="10018713" cy="5123934"/>
+          </a:xfrm>
+        </p:spPr>
+        <p:txBody>
+          <a:bodyPr anchor="t">
+            <a:normAutofit/>
+          </a:bodyPr>
+          <a:lstStyle/>
+          <a:p>
+            <a:endParaRPr lang="en-US" altLang="zh-CN" dirty="0" smtClean="0"/>
+          </a:p>
+        </p:txBody>
+      </p:sp>
+      <p:pic>
+        <p:nvPicPr>
+          <p:cNvPr id="2" name="图片 1"/>
+          <p:cNvPicPr>
+            <a:picLocks noChangeAspect="1"/>
+          </p:cNvPicPr>
+          <p:nvPr/>
+        </p:nvPicPr>
+        <p:blipFill>
+          <a:blip r:embed="rId2"/>
+          <a:stretch>
+            <a:fillRect/>
+          </a:stretch>
+        </p:blipFill>
+        <p:spPr>
+          <a:xfrm>
+            <a:off x="2352547" y="1529771"/>
+            <a:ext cx="8101269" cy="5060498"/>
+          </a:xfrm>
+          <a:prstGeom prst="rect">
+            <a:avLst/>
+          </a:prstGeom>
+        </p:spPr>
+      </p:pic>
+    </p:spTree>
+    <p:extLst>
+      <p:ext uri="{BB962C8B-B14F-4D97-AF65-F5344CB8AC3E}">
+        <p14:creationId xmlns:p14="http://schemas.microsoft.com/office/powerpoint/2010/main" val="1323181781"/>
+      </p:ext>
+    </p:extLst>
+  </p:cSld>
+  <p:clrMapOvr>
+    <a:masterClrMapping/>
+  </p:clrMapOvr>
+  <p:timing>
+    <p:tnLst>
+      <p:par>
+        <p:cTn id="1" dur="indefinite" restart="never" nodeType="tmRoot"/>
+      </p:par>
+    </p:tnLst>
+  </p:timing>
+</p:sld>
+</file>
+
+<file path=ppt/slides/slide12.xml><?xml version="1.0" encoding="utf-8"?>
+<p:sld xmlns:a="http://schemas.openxmlformats.org/drawingml/2006/main" xmlns:r="http://schemas.openxmlformats.org/officeDocument/2006/relationships" xmlns:p="http://schemas.openxmlformats.org/presentationml/2006/main">
+  <p:cSld>
+    <p:spTree>
+      <p:nvGrpSpPr>
+        <p:cNvPr id="1" name=""/>
+        <p:cNvGrpSpPr/>
+        <p:nvPr/>
+      </p:nvGrpSpPr>
+      <p:grpSpPr>
+        <a:xfrm>
+          <a:off x="0" y="0"/>
+          <a:ext cx="0" cy="0"/>
+          <a:chOff x="0" y="0"/>
+          <a:chExt cx="0" cy="0"/>
+        </a:xfrm>
+      </p:grpSpPr>
+      <p:sp>
+        <p:nvSpPr>
+          <p:cNvPr id="32" name="标题 31"/>
+          <p:cNvSpPr>
+            <a:spLocks noGrp="1"/>
+          </p:cNvSpPr>
+          <p:nvPr>
+            <p:ph type="title"/>
+          </p:nvPr>
+        </p:nvSpPr>
+        <p:spPr>
+          <a:xfrm>
+            <a:off x="1484309" y="192559"/>
+            <a:ext cx="10018714" cy="795984"/>
+          </a:xfrm>
+        </p:spPr>
+        <p:txBody>
+          <a:bodyPr>
+            <a:normAutofit fontScale="90000"/>
+          </a:bodyPr>
+          <a:lstStyle/>
+          <a:p>
+            <a:r>
+              <a:rPr lang="en-US" altLang="zh-CN" dirty="0"/>
+              <a:t>13.6 Policy Gradient for Continuing Problems </a:t>
+            </a:r>
+            <a:r>
+              <a:rPr lang="en-US" altLang="zh-CN" dirty="0" smtClean="0"/>
+              <a:t>(Average Reward </a:t>
+            </a:r>
+            <a:r>
+              <a:rPr lang="en-US" altLang="zh-CN" dirty="0"/>
+              <a:t>Rate)</a:t>
+            </a:r>
+            <a:endParaRPr lang="zh-CN" altLang="en-US" dirty="0"/>
+          </a:p>
+        </p:txBody>
+      </p:sp>
+      <p:sp>
+        <p:nvSpPr>
+          <p:cNvPr id="33" name="内容占位符 32"/>
+          <p:cNvSpPr>
+            <a:spLocks noGrp="1"/>
+          </p:cNvSpPr>
+          <p:nvPr>
+            <p:ph idx="1"/>
+          </p:nvPr>
+        </p:nvSpPr>
+        <p:spPr>
+          <a:xfrm>
+            <a:off x="1484310" y="1466335"/>
+            <a:ext cx="10018713" cy="5123934"/>
+          </a:xfrm>
+        </p:spPr>
+        <p:txBody>
+          <a:bodyPr anchor="t">
+            <a:normAutofit/>
+          </a:bodyPr>
+          <a:lstStyle/>
+          <a:p>
+            <a:r>
+              <a:rPr lang="zh-CN" altLang="en-US" dirty="0" smtClean="0"/>
+              <a:t>对于连续问题</a:t>
+            </a:r>
+            <a:r>
+              <a:rPr lang="en-US" altLang="zh-CN" dirty="0" smtClean="0"/>
+              <a:t>, </a:t>
+            </a:r>
+            <a:r>
+              <a:rPr lang="zh-CN" altLang="en-US" dirty="0" smtClean="0"/>
+              <a:t>需要定义效果评估为平均回报率</a:t>
+            </a:r>
+            <a:endParaRPr lang="en-US" altLang="zh-CN" dirty="0" smtClean="0"/>
+          </a:p>
+          <a:p>
+            <a:endParaRPr lang="en-US" altLang="zh-CN" dirty="0" smtClean="0"/>
+          </a:p>
+        </p:txBody>
+      </p:sp>
+      <p:pic>
+        <p:nvPicPr>
+          <p:cNvPr id="3" name="图片 2"/>
+          <p:cNvPicPr>
+            <a:picLocks noChangeAspect="1"/>
+          </p:cNvPicPr>
+          <p:nvPr/>
+        </p:nvPicPr>
+        <p:blipFill>
+          <a:blip r:embed="rId2"/>
+          <a:stretch>
+            <a:fillRect/>
+          </a:stretch>
+        </p:blipFill>
+        <p:spPr>
+          <a:xfrm>
+            <a:off x="1858662" y="1984933"/>
+            <a:ext cx="7239000" cy="1438275"/>
+          </a:xfrm>
+          <a:prstGeom prst="rect">
+            <a:avLst/>
+          </a:prstGeom>
+        </p:spPr>
+      </p:pic>
+      <p:pic>
+        <p:nvPicPr>
+          <p:cNvPr id="4" name="图片 3"/>
+          <p:cNvPicPr>
+            <a:picLocks noChangeAspect="1"/>
+          </p:cNvPicPr>
+          <p:nvPr/>
+        </p:nvPicPr>
+        <p:blipFill>
+          <a:blip r:embed="rId3"/>
+          <a:stretch>
+            <a:fillRect/>
+          </a:stretch>
+        </p:blipFill>
+        <p:spPr>
+          <a:xfrm>
+            <a:off x="1858662" y="4355757"/>
+            <a:ext cx="5591175" cy="2133600"/>
+          </a:xfrm>
+          <a:prstGeom prst="rect">
+            <a:avLst/>
+          </a:prstGeom>
+        </p:spPr>
+      </p:pic>
+      <p:pic>
+        <p:nvPicPr>
+          <p:cNvPr id="5" name="图片 4"/>
+          <p:cNvPicPr>
+            <a:picLocks noChangeAspect="1"/>
+          </p:cNvPicPr>
+          <p:nvPr/>
+        </p:nvPicPr>
+        <p:blipFill>
+          <a:blip r:embed="rId4"/>
+          <a:stretch>
+            <a:fillRect/>
+          </a:stretch>
+        </p:blipFill>
+        <p:spPr>
+          <a:xfrm>
+            <a:off x="3294233" y="3441807"/>
+            <a:ext cx="5438775" cy="895350"/>
+          </a:xfrm>
+          <a:prstGeom prst="rect">
+            <a:avLst/>
+          </a:prstGeom>
+        </p:spPr>
+      </p:pic>
+    </p:spTree>
+    <p:extLst>
+      <p:ext uri="{BB962C8B-B14F-4D97-AF65-F5344CB8AC3E}">
+        <p14:creationId xmlns:p14="http://schemas.microsoft.com/office/powerpoint/2010/main" val="3437361830"/>
+      </p:ext>
+    </p:extLst>
+  </p:cSld>
+  <p:clrMapOvr>
+    <a:masterClrMapping/>
+  </p:clrMapOvr>
+  <p:timing>
+    <p:tnLst>
+      <p:par>
+        <p:cTn id="1" dur="indefinite" restart="never" nodeType="tmRoot"/>
+      </p:par>
+    </p:tnLst>
+  </p:timing>
+</p:sld>
+</file>
+
+<file path=ppt/slides/slide13.xml><?xml version="1.0" encoding="utf-8"?>
+<p:sld xmlns:a="http://schemas.openxmlformats.org/drawingml/2006/main" xmlns:r="http://schemas.openxmlformats.org/officeDocument/2006/relationships" xmlns:p="http://schemas.openxmlformats.org/presentationml/2006/main">
+  <p:cSld>
+    <p:spTree>
+      <p:nvGrpSpPr>
+        <p:cNvPr id="1" name=""/>
+        <p:cNvGrpSpPr/>
+        <p:nvPr/>
+      </p:nvGrpSpPr>
+      <p:grpSpPr>
+        <a:xfrm>
+          <a:off x="0" y="0"/>
+          <a:ext cx="0" cy="0"/>
+          <a:chOff x="0" y="0"/>
+          <a:chExt cx="0" cy="0"/>
+        </a:xfrm>
+      </p:grpSpPr>
+      <p:sp>
+        <p:nvSpPr>
+          <p:cNvPr id="32" name="标题 31"/>
+          <p:cNvSpPr>
+            <a:spLocks noGrp="1"/>
+          </p:cNvSpPr>
+          <p:nvPr>
+            <p:ph type="title"/>
+          </p:nvPr>
+        </p:nvSpPr>
+        <p:spPr>
+          <a:xfrm>
+            <a:off x="1484309" y="192559"/>
+            <a:ext cx="10018714" cy="795984"/>
+          </a:xfrm>
+        </p:spPr>
+        <p:txBody>
+          <a:bodyPr>
+            <a:normAutofit fontScale="90000"/>
+          </a:bodyPr>
+          <a:lstStyle/>
+          <a:p>
+            <a:r>
+              <a:rPr lang="en-US" altLang="zh-CN" dirty="0"/>
+              <a:t>13.7 Policy Parameterization for Continuous Actions</a:t>
+            </a:r>
+            <a:endParaRPr lang="zh-CN" altLang="en-US" dirty="0"/>
+          </a:p>
+        </p:txBody>
+      </p:sp>
+      <p:sp>
+        <p:nvSpPr>
+          <p:cNvPr id="33" name="内容占位符 32"/>
+          <p:cNvSpPr>
+            <a:spLocks noGrp="1"/>
+          </p:cNvSpPr>
+          <p:nvPr>
+            <p:ph idx="1"/>
+          </p:nvPr>
+        </p:nvSpPr>
+        <p:spPr>
+          <a:xfrm>
+            <a:off x="1484310" y="1466335"/>
+            <a:ext cx="10018713" cy="5123934"/>
+          </a:xfrm>
+        </p:spPr>
+        <p:txBody>
+          <a:bodyPr anchor="t">
+            <a:normAutofit/>
+          </a:bodyPr>
+          <a:lstStyle/>
+          <a:p>
+            <a:r>
+              <a:rPr lang="zh-CN" altLang="en-US" dirty="0" smtClean="0"/>
+              <a:t>对于连续行为</a:t>
+            </a:r>
+            <a:r>
+              <a:rPr lang="en-US" altLang="zh-CN" dirty="0" smtClean="0"/>
+              <a:t>, </a:t>
+            </a:r>
+            <a:r>
+              <a:rPr lang="zh-CN" altLang="en-US" dirty="0" smtClean="0"/>
+              <a:t>可以使用高斯分布来表示选择某个行为值的概率</a:t>
+            </a:r>
+            <a:endParaRPr lang="en-US" altLang="zh-CN" dirty="0" smtClean="0"/>
+          </a:p>
+          <a:p>
+            <a:r>
+              <a:rPr lang="zh-CN" altLang="en-US" dirty="0" smtClean="0"/>
+              <a:t>策略受到选择行为概率的高斯函数的参数的影响</a:t>
+            </a:r>
+            <a:endParaRPr lang="en-US" altLang="zh-CN" dirty="0" smtClean="0"/>
+          </a:p>
+        </p:txBody>
+      </p:sp>
+      <p:pic>
+        <p:nvPicPr>
+          <p:cNvPr id="3" name="图片 2"/>
+          <p:cNvPicPr>
+            <a:picLocks noChangeAspect="1"/>
+          </p:cNvPicPr>
+          <p:nvPr/>
+        </p:nvPicPr>
+        <p:blipFill>
+          <a:blip r:embed="rId2"/>
+          <a:stretch>
+            <a:fillRect/>
+          </a:stretch>
+        </p:blipFill>
+        <p:spPr>
+          <a:xfrm>
+            <a:off x="1921733" y="2813220"/>
+            <a:ext cx="5695950" cy="1066800"/>
+          </a:xfrm>
+          <a:prstGeom prst="rect">
+            <a:avLst/>
+          </a:prstGeom>
+        </p:spPr>
+      </p:pic>
+      <p:pic>
+        <p:nvPicPr>
+          <p:cNvPr id="4" name="图片 3"/>
+          <p:cNvPicPr>
+            <a:picLocks noChangeAspect="1"/>
+          </p:cNvPicPr>
+          <p:nvPr/>
+        </p:nvPicPr>
+        <p:blipFill>
+          <a:blip r:embed="rId3"/>
+          <a:stretch>
+            <a:fillRect/>
+          </a:stretch>
+        </p:blipFill>
+        <p:spPr>
+          <a:xfrm>
+            <a:off x="3050317" y="4028302"/>
+            <a:ext cx="3759750" cy="2377132"/>
+          </a:xfrm>
+          <a:prstGeom prst="rect">
+            <a:avLst/>
+          </a:prstGeom>
+        </p:spPr>
+      </p:pic>
+    </p:spTree>
+    <p:extLst>
+      <p:ext uri="{BB962C8B-B14F-4D97-AF65-F5344CB8AC3E}">
+        <p14:creationId xmlns:p14="http://schemas.microsoft.com/office/powerpoint/2010/main" val="2015084159"/>
+      </p:ext>
+    </p:extLst>
+  </p:cSld>
+  <p:clrMapOvr>
+    <a:masterClrMapping/>
+  </p:clrMapOvr>
+  <p:timing>
+    <p:tnLst>
+      <p:par>
+        <p:cTn id="1" dur="indefinite" restart="never" nodeType="tmRoot"/>
+      </p:par>
+    </p:tnLst>
+  </p:timing>
+</p:sld>
+</file>
+
+<file path=ppt/slides/slide14.xml><?xml version="1.0" encoding="utf-8"?>
+<p:sld xmlns:a="http://schemas.openxmlformats.org/drawingml/2006/main" xmlns:r="http://schemas.openxmlformats.org/officeDocument/2006/relationships" xmlns:p="http://schemas.openxmlformats.org/presentationml/2006/main">
+  <p:cSld>
+    <p:spTree>
+      <p:nvGrpSpPr>
+        <p:cNvPr id="1" name=""/>
+        <p:cNvGrpSpPr/>
+        <p:nvPr/>
+      </p:nvGrpSpPr>
+      <p:grpSpPr>
+        <a:xfrm>
+          <a:off x="0" y="0"/>
+          <a:ext cx="0" cy="0"/>
+          <a:chOff x="0" y="0"/>
+          <a:chExt cx="0" cy="0"/>
+        </a:xfrm>
+      </p:grpSpPr>
+      <p:sp>
+        <p:nvSpPr>
+          <p:cNvPr id="2" name="标题 1"/>
+          <p:cNvSpPr>
+            <a:spLocks noGrp="1"/>
+          </p:cNvSpPr>
+          <p:nvPr>
+            <p:ph type="title"/>
+          </p:nvPr>
+        </p:nvSpPr>
+        <p:spPr/>
+        <p:txBody>
+          <a:bodyPr/>
+          <a:lstStyle/>
+          <a:p>
+            <a:endParaRPr lang="zh-CN" altLang="en-US" dirty="0"/>
+          </a:p>
+        </p:txBody>
+      </p:sp>
+      <p:sp>
+        <p:nvSpPr>
+          <p:cNvPr id="3" name="内容占位符 2"/>
+          <p:cNvSpPr>
+            <a:spLocks noGrp="1"/>
+          </p:cNvSpPr>
+          <p:nvPr>
+            <p:ph idx="1"/>
+          </p:nvPr>
+        </p:nvSpPr>
+        <p:spPr/>
+        <p:txBody>
+          <a:bodyPr/>
+          <a:lstStyle/>
+          <a:p>
+            <a:endParaRPr lang="zh-CN" altLang="en-US"/>
+          </a:p>
+        </p:txBody>
+      </p:sp>
+    </p:spTree>
+    <p:extLst>
+      <p:ext uri="{BB962C8B-B14F-4D97-AF65-F5344CB8AC3E}">
+        <p14:creationId xmlns:p14="http://schemas.microsoft.com/office/powerpoint/2010/main" val="3708643801"/>
+      </p:ext>
+    </p:extLst>
+  </p:cSld>
+  <p:clrMapOvr>
+    <a:masterClrMapping/>
+  </p:clrMapOvr>
+  <p:timing>
+    <p:tnLst>
+      <p:par>
+        <p:cTn id="1" dur="indefinite" restart="never" nodeType="tmRoot"/>
+      </p:par>
+    </p:tnLst>
+  </p:timing>
+</p:sld>
+</file>
+
 <file path=ppt/slides/slide2.xml><?xml version="1.0" encoding="utf-8"?>
 <p:sld xmlns:a="http://schemas.openxmlformats.org/drawingml/2006/main" xmlns:r="http://schemas.openxmlformats.org/officeDocument/2006/relationships" xmlns:p="http://schemas.openxmlformats.org/presentationml/2006/main">
   <p:cSld>
@@ -7693,12 +8424,12 @@
               <a:t>在</a:t>
             </a:r>
             <a:r>
-              <a:rPr lang="en-US" altLang="zh-CN" dirty="0" smtClean="0"/>
-              <a:t>q</a:t>
+              <a:rPr lang="zh-CN" altLang="en-US" dirty="0"/>
+              <a:t>梯度</a:t>
             </a:r>
             <a:r>
               <a:rPr lang="zh-CN" altLang="en-US" dirty="0" smtClean="0"/>
-              <a:t>值中可以加入基线</a:t>
+              <a:t>中可以加入基线</a:t>
             </a:r>
             <a:r>
               <a:rPr lang="en-US" altLang="zh-CN" dirty="0" smtClean="0"/>
@@ -7707,6 +8438,40 @@
             <a:r>
               <a:rPr lang="zh-CN" altLang="en-US" dirty="0" smtClean="0"/>
               <a:t>因为基线不会影响到行为的选择</a:t>
+            </a:r>
+            <a:endParaRPr lang="en-US" altLang="zh-CN" dirty="0" smtClean="0"/>
+          </a:p>
+          <a:p>
+            <a:endParaRPr lang="en-US" altLang="zh-CN" dirty="0"/>
+          </a:p>
+          <a:p>
+            <a:endParaRPr lang="en-US" altLang="zh-CN" dirty="0" smtClean="0"/>
+          </a:p>
+          <a:p>
+            <a:r>
+              <a:rPr lang="zh-CN" altLang="en-US" dirty="0" smtClean="0"/>
+              <a:t>基线所组成的梯度部分等于零</a:t>
+            </a:r>
+            <a:endParaRPr lang="en-US" altLang="zh-CN" dirty="0" smtClean="0"/>
+          </a:p>
+          <a:p>
+            <a:endParaRPr lang="en-US" altLang="zh-CN" dirty="0"/>
+          </a:p>
+          <a:p>
+            <a:endParaRPr lang="en-US" altLang="zh-CN" dirty="0" smtClean="0"/>
+          </a:p>
+          <a:p>
+            <a:r>
+              <a:rPr lang="zh-CN" altLang="en-US" dirty="0" smtClean="0"/>
+              <a:t>于是得到新的参数更新规则</a:t>
+            </a:r>
+            <a:r>
+              <a:rPr lang="en-US" altLang="zh-CN" dirty="0" smtClean="0"/>
+              <a:t>, </a:t>
+            </a:r>
+            <a:r>
+              <a:rPr lang="zh-CN" altLang="en-US" dirty="0" smtClean="0"/>
+              <a:t>加入了基线</a:t>
             </a:r>
             <a:endParaRPr lang="en-US" altLang="zh-CN" dirty="0" smtClean="0"/>
           </a:p>
@@ -7730,6 +8495,54 @@
           <a:xfrm>
             <a:off x="1817086" y="2048647"/>
             <a:ext cx="6086475" cy="800100"/>
+          </a:xfrm>
+          <a:prstGeom prst="rect">
+            <a:avLst/>
+          </a:prstGeom>
+        </p:spPr>
+      </p:pic>
+      <p:pic>
+        <p:nvPicPr>
+          <p:cNvPr id="3" name="图片 2"/>
+          <p:cNvPicPr>
+            <a:picLocks noChangeAspect="1"/>
+          </p:cNvPicPr>
+          <p:nvPr/>
+        </p:nvPicPr>
+        <p:blipFill>
+          <a:blip r:embed="rId3"/>
+          <a:stretch>
+            <a:fillRect/>
+          </a:stretch>
+        </p:blipFill>
+        <p:spPr>
+          <a:xfrm>
+            <a:off x="1817086" y="3547933"/>
+            <a:ext cx="6943725" cy="781050"/>
+          </a:xfrm>
+          <a:prstGeom prst="rect">
+            <a:avLst/>
+          </a:prstGeom>
+        </p:spPr>
+      </p:pic>
+      <p:pic>
+        <p:nvPicPr>
+          <p:cNvPr id="4" name="图片 3"/>
+          <p:cNvPicPr>
+            <a:picLocks noChangeAspect="1"/>
+          </p:cNvPicPr>
+          <p:nvPr/>
+        </p:nvPicPr>
+        <p:blipFill>
+          <a:blip r:embed="rId4"/>
+          <a:stretch>
+            <a:fillRect/>
+          </a:stretch>
+        </p:blipFill>
+        <p:spPr>
+          <a:xfrm>
+            <a:off x="1817086" y="5028169"/>
+            <a:ext cx="5048250" cy="923925"/>
           </a:xfrm>
           <a:prstGeom prst="rect">
             <a:avLst/>
@@ -7775,7 +8588,7 @@
       </p:grpSpPr>
       <p:sp>
         <p:nvSpPr>
-          <p:cNvPr id="2" name="标题 1"/>
+          <p:cNvPr id="32" name="标题 31"/>
           <p:cNvSpPr>
             <a:spLocks noGrp="1"/>
           </p:cNvSpPr>
@@ -7783,18 +8596,27 @@
             <p:ph type="title"/>
           </p:nvPr>
         </p:nvSpPr>
-        <p:spPr/>
+        <p:spPr>
+          <a:xfrm>
+            <a:off x="1484309" y="192559"/>
+            <a:ext cx="10018714" cy="795984"/>
+          </a:xfrm>
+        </p:spPr>
         <p:txBody>
           <a:bodyPr/>
           <a:lstStyle/>
           <a:p>
+            <a:r>
+              <a:rPr lang="en-US" altLang="zh-CN" dirty="0"/>
+              <a:t>13.4 REINFORCE with Baseline</a:t>
+            </a:r>
             <a:endParaRPr lang="zh-CN" altLang="en-US" dirty="0"/>
           </a:p>
         </p:txBody>
       </p:sp>
       <p:sp>
         <p:nvSpPr>
-          <p:cNvPr id="3" name="内容占位符 2"/>
+          <p:cNvPr id="33" name="内容占位符 32"/>
           <p:cNvSpPr>
             <a:spLocks noGrp="1"/>
           </p:cNvSpPr>
@@ -7802,19 +8624,77 @@
             <p:ph idx="1"/>
           </p:nvPr>
         </p:nvSpPr>
-        <p:spPr/>
-        <p:txBody>
-          <a:bodyPr/>
-          <a:lstStyle/>
-          <a:p>
-            <a:endParaRPr lang="zh-CN" altLang="en-US"/>
-          </a:p>
-        </p:txBody>
-      </p:sp>
+        <p:spPr>
+          <a:xfrm>
+            <a:off x="1484310" y="1466335"/>
+            <a:ext cx="10018713" cy="5123934"/>
+          </a:xfrm>
+        </p:spPr>
+        <p:txBody>
+          <a:bodyPr anchor="t">
+            <a:normAutofit/>
+          </a:bodyPr>
+          <a:lstStyle/>
+          <a:p>
+            <a:r>
+              <a:rPr lang="zh-CN" altLang="en-US" dirty="0" smtClean="0"/>
+              <a:t>基线的好处是减少了方差</a:t>
+            </a:r>
+            <a:r>
+              <a:rPr lang="en-US" altLang="zh-CN" dirty="0" smtClean="0"/>
+              <a:t>, </a:t>
+            </a:r>
+            <a:r>
+              <a:rPr lang="zh-CN" altLang="en-US" dirty="0" smtClean="0"/>
+              <a:t>使得训练更快</a:t>
+            </a:r>
+            <a:endParaRPr lang="en-US" altLang="zh-CN" dirty="0" smtClean="0"/>
+          </a:p>
+          <a:p>
+            <a:r>
+              <a:rPr lang="zh-CN" altLang="en-US" dirty="0" smtClean="0"/>
+              <a:t>我们可以使用蒙特卡洛方法来估计</a:t>
+            </a:r>
+            <a:r>
+              <a:rPr lang="en-US" altLang="zh-CN" dirty="0" smtClean="0"/>
+              <a:t>state-value, </a:t>
+            </a:r>
+            <a:r>
+              <a:rPr lang="zh-CN" altLang="en-US" dirty="0" smtClean="0"/>
+              <a:t>然后将其作为基线</a:t>
+            </a:r>
+            <a:endParaRPr lang="en-US" altLang="zh-CN" dirty="0" smtClean="0"/>
+          </a:p>
+        </p:txBody>
+      </p:sp>
+      <p:pic>
+        <p:nvPicPr>
+          <p:cNvPr id="5" name="图片 4"/>
+          <p:cNvPicPr>
+            <a:picLocks noChangeAspect="1"/>
+          </p:cNvPicPr>
+          <p:nvPr/>
+        </p:nvPicPr>
+        <p:blipFill>
+          <a:blip r:embed="rId2"/>
+          <a:stretch>
+            <a:fillRect/>
+          </a:stretch>
+        </p:blipFill>
+        <p:spPr>
+          <a:xfrm>
+            <a:off x="1929152" y="2637010"/>
+            <a:ext cx="7800581" cy="3846170"/>
+          </a:xfrm>
+          <a:prstGeom prst="rect">
+            <a:avLst/>
+          </a:prstGeom>
+        </p:spPr>
+      </p:pic>
     </p:spTree>
     <p:extLst>
       <p:ext uri="{BB962C8B-B14F-4D97-AF65-F5344CB8AC3E}">
-        <p14:creationId xmlns:p14="http://schemas.microsoft.com/office/powerpoint/2010/main" val="3708643801"/>
+        <p14:creationId xmlns:p14="http://schemas.microsoft.com/office/powerpoint/2010/main" val="2167856626"/>
       </p:ext>
     </p:extLst>
   </p:cSld>
